--- a/FPGAblocks.pptx
+++ b/FPGAblocks.pptx
@@ -8,6 +8,7 @@
     <p:sldId id="256" r:id="rId2"/>
     <p:sldId id="257" r:id="rId3"/>
     <p:sldId id="258" r:id="rId4"/>
+    <p:sldId id="259" r:id="rId5"/>
   </p:sldIdLst>
   <p:sldSz cx="12192000" cy="6858000"/>
   <p:notesSz cx="6858000" cy="9144000"/>
@@ -106,6 +107,11 @@
       </a:defRPr>
     </a:lvl9pPr>
   </p:defaultTextStyle>
+  <p:extLst>
+    <p:ext uri="{EFAFB233-063F-42B5-8137-9DF3F51BA10A}">
+      <p15:sldGuideLst xmlns:p15="http://schemas.microsoft.com/office/powerpoint/2012/main"/>
+    </p:ext>
+  </p:extLst>
 </p:presentation>
 </file>
 
@@ -256,7 +262,7 @@
           <a:p>
             <a:fld id="{DFC96149-A2C7-4486-BD39-4486B8C1F7A3}" type="datetimeFigureOut">
               <a:rPr lang="en-US" smtClean="0"/>
-              <a:t>12/19/2021</a:t>
+              <a:t>3/28/2022</a:t>
             </a:fld>
             <a:endParaRPr lang="en-US"/>
           </a:p>
@@ -454,7 +460,7 @@
           <a:p>
             <a:fld id="{DFC96149-A2C7-4486-BD39-4486B8C1F7A3}" type="datetimeFigureOut">
               <a:rPr lang="en-US" smtClean="0"/>
-              <a:t>12/19/2021</a:t>
+              <a:t>3/28/2022</a:t>
             </a:fld>
             <a:endParaRPr lang="en-US"/>
           </a:p>
@@ -662,7 +668,7 @@
           <a:p>
             <a:fld id="{DFC96149-A2C7-4486-BD39-4486B8C1F7A3}" type="datetimeFigureOut">
               <a:rPr lang="en-US" smtClean="0"/>
-              <a:t>12/19/2021</a:t>
+              <a:t>3/28/2022</a:t>
             </a:fld>
             <a:endParaRPr lang="en-US"/>
           </a:p>
@@ -860,7 +866,7 @@
           <a:p>
             <a:fld id="{DFC96149-A2C7-4486-BD39-4486B8C1F7A3}" type="datetimeFigureOut">
               <a:rPr lang="en-US" smtClean="0"/>
-              <a:t>12/19/2021</a:t>
+              <a:t>3/28/2022</a:t>
             </a:fld>
             <a:endParaRPr lang="en-US"/>
           </a:p>
@@ -1135,7 +1141,7 @@
           <a:p>
             <a:fld id="{DFC96149-A2C7-4486-BD39-4486B8C1F7A3}" type="datetimeFigureOut">
               <a:rPr lang="en-US" smtClean="0"/>
-              <a:t>12/19/2021</a:t>
+              <a:t>3/28/2022</a:t>
             </a:fld>
             <a:endParaRPr lang="en-US"/>
           </a:p>
@@ -1400,7 +1406,7 @@
           <a:p>
             <a:fld id="{DFC96149-A2C7-4486-BD39-4486B8C1F7A3}" type="datetimeFigureOut">
               <a:rPr lang="en-US" smtClean="0"/>
-              <a:t>12/19/2021</a:t>
+              <a:t>3/28/2022</a:t>
             </a:fld>
             <a:endParaRPr lang="en-US"/>
           </a:p>
@@ -1812,7 +1818,7 @@
           <a:p>
             <a:fld id="{DFC96149-A2C7-4486-BD39-4486B8C1F7A3}" type="datetimeFigureOut">
               <a:rPr lang="en-US" smtClean="0"/>
-              <a:t>12/19/2021</a:t>
+              <a:t>3/28/2022</a:t>
             </a:fld>
             <a:endParaRPr lang="en-US"/>
           </a:p>
@@ -1953,7 +1959,7 @@
           <a:p>
             <a:fld id="{DFC96149-A2C7-4486-BD39-4486B8C1F7A3}" type="datetimeFigureOut">
               <a:rPr lang="en-US" smtClean="0"/>
-              <a:t>12/19/2021</a:t>
+              <a:t>3/28/2022</a:t>
             </a:fld>
             <a:endParaRPr lang="en-US"/>
           </a:p>
@@ -2066,7 +2072,7 @@
           <a:p>
             <a:fld id="{DFC96149-A2C7-4486-BD39-4486B8C1F7A3}" type="datetimeFigureOut">
               <a:rPr lang="en-US" smtClean="0"/>
-              <a:t>12/19/2021</a:t>
+              <a:t>3/28/2022</a:t>
             </a:fld>
             <a:endParaRPr lang="en-US"/>
           </a:p>
@@ -2377,7 +2383,7 @@
           <a:p>
             <a:fld id="{DFC96149-A2C7-4486-BD39-4486B8C1F7A3}" type="datetimeFigureOut">
               <a:rPr lang="en-US" smtClean="0"/>
-              <a:t>12/19/2021</a:t>
+              <a:t>3/28/2022</a:t>
             </a:fld>
             <a:endParaRPr lang="en-US"/>
           </a:p>
@@ -2665,7 +2671,7 @@
           <a:p>
             <a:fld id="{DFC96149-A2C7-4486-BD39-4486B8C1F7A3}" type="datetimeFigureOut">
               <a:rPr lang="en-US" smtClean="0"/>
-              <a:t>12/19/2021</a:t>
+              <a:t>3/28/2022</a:t>
             </a:fld>
             <a:endParaRPr lang="en-US"/>
           </a:p>
@@ -2906,7 +2912,7 @@
           <a:p>
             <a:fld id="{DFC96149-A2C7-4486-BD39-4486B8C1F7A3}" type="datetimeFigureOut">
               <a:rPr lang="en-US" smtClean="0"/>
-              <a:t>12/19/2021</a:t>
+              <a:t>3/28/2022</a:t>
             </a:fld>
             <a:endParaRPr lang="en-US"/>
           </a:p>
@@ -4123,6 +4129,3119 @@
 </p:sld>
 </file>
 
+<file path=ppt/slides/slide4.xml><?xml version="1.0" encoding="utf-8"?>
+<p:sld xmlns:a="http://schemas.openxmlformats.org/drawingml/2006/main" xmlns:r="http://schemas.openxmlformats.org/officeDocument/2006/relationships" xmlns:p="http://schemas.openxmlformats.org/presentationml/2006/main">
+  <p:cSld>
+    <p:spTree>
+      <p:nvGrpSpPr>
+        <p:cNvPr id="1" name=""/>
+        <p:cNvGrpSpPr/>
+        <p:nvPr/>
+      </p:nvGrpSpPr>
+      <p:grpSpPr>
+        <a:xfrm>
+          <a:off x="0" y="0"/>
+          <a:ext cx="0" cy="0"/>
+          <a:chOff x="0" y="0"/>
+          <a:chExt cx="0" cy="0"/>
+        </a:xfrm>
+      </p:grpSpPr>
+      <p:sp>
+        <p:nvSpPr>
+          <p:cNvPr id="2" name="Rectangle 1">
+            <a:extLst>
+              <a:ext uri="{FF2B5EF4-FFF2-40B4-BE49-F238E27FC236}">
+                <a16:creationId xmlns:a16="http://schemas.microsoft.com/office/drawing/2014/main" id="{EB0CECA1-D5F0-4263-844E-A077FC7AED70}"/>
+              </a:ext>
+            </a:extLst>
+          </p:cNvPr>
+          <p:cNvSpPr/>
+          <p:nvPr/>
+        </p:nvSpPr>
+        <p:spPr>
+          <a:xfrm>
+            <a:off x="1041400" y="1193800"/>
+            <a:ext cx="1155700" cy="2235200"/>
+          </a:xfrm>
+          <a:prstGeom prst="rect">
+            <a:avLst/>
+          </a:prstGeom>
+          <a:noFill/>
+          <a:ln>
+            <a:solidFill>
+              <a:schemeClr val="tx1"/>
+            </a:solidFill>
+          </a:ln>
+        </p:spPr>
+        <p:style>
+          <a:lnRef idx="2">
+            <a:schemeClr val="accent1">
+              <a:shade val="50000"/>
+            </a:schemeClr>
+          </a:lnRef>
+          <a:fillRef idx="1">
+            <a:schemeClr val="accent1"/>
+          </a:fillRef>
+          <a:effectRef idx="0">
+            <a:schemeClr val="accent1"/>
+          </a:effectRef>
+          <a:fontRef idx="minor">
+            <a:schemeClr val="lt1"/>
+          </a:fontRef>
+        </p:style>
+        <p:txBody>
+          <a:bodyPr rtlCol="0" anchor="ctr"/>
+          <a:lstStyle/>
+          <a:p>
+            <a:pPr algn="ctr"/>
+            <a:endParaRPr lang="en-US">
+              <a:ln>
+                <a:solidFill>
+                  <a:sysClr val="windowText" lastClr="000000"/>
+                </a:solidFill>
+              </a:ln>
+              <a:solidFill>
+                <a:sysClr val="windowText" lastClr="000000"/>
+              </a:solidFill>
+            </a:endParaRPr>
+          </a:p>
+        </p:txBody>
+      </p:sp>
+      <p:sp>
+        <p:nvSpPr>
+          <p:cNvPr id="3" name="TextBox 2">
+            <a:extLst>
+              <a:ext uri="{FF2B5EF4-FFF2-40B4-BE49-F238E27FC236}">
+                <a16:creationId xmlns:a16="http://schemas.microsoft.com/office/drawing/2014/main" id="{190C8E3C-4367-40DE-A3E0-771C8945E9AE}"/>
+              </a:ext>
+            </a:extLst>
+          </p:cNvPr>
+          <p:cNvSpPr txBox="1"/>
+          <p:nvPr/>
+        </p:nvSpPr>
+        <p:spPr>
+          <a:xfrm>
+            <a:off x="1112765" y="1444823"/>
+            <a:ext cx="1012970" cy="523220"/>
+          </a:xfrm>
+          <a:prstGeom prst="rect">
+            <a:avLst/>
+          </a:prstGeom>
+          <a:noFill/>
+        </p:spPr>
+        <p:txBody>
+          <a:bodyPr wrap="none" rtlCol="0">
+            <a:spAutoFit/>
+          </a:bodyPr>
+          <a:lstStyle/>
+          <a:p>
+            <a:r>
+              <a:rPr lang="en-US" sz="1400" dirty="0"/>
+              <a:t>Test Data</a:t>
+            </a:r>
+          </a:p>
+          <a:p>
+            <a:r>
+              <a:rPr lang="en-US" sz="1400" dirty="0"/>
+              <a:t>(Block ram)</a:t>
+            </a:r>
+          </a:p>
+        </p:txBody>
+      </p:sp>
+      <p:cxnSp>
+        <p:nvCxnSpPr>
+          <p:cNvPr id="5" name="Straight Arrow Connector 4">
+            <a:extLst>
+              <a:ext uri="{FF2B5EF4-FFF2-40B4-BE49-F238E27FC236}">
+                <a16:creationId xmlns:a16="http://schemas.microsoft.com/office/drawing/2014/main" id="{CEF43960-D0F4-48DA-83E6-DBBD074A76DE}"/>
+              </a:ext>
+            </a:extLst>
+          </p:cNvPr>
+          <p:cNvCxnSpPr/>
+          <p:nvPr/>
+        </p:nvCxnSpPr>
+        <p:spPr>
+          <a:xfrm>
+            <a:off x="2197100" y="1444823"/>
+            <a:ext cx="1231900" cy="0"/>
+          </a:xfrm>
+          <a:prstGeom prst="straightConnector1">
+            <a:avLst/>
+          </a:prstGeom>
+          <a:ln>
+            <a:solidFill>
+              <a:schemeClr val="tx1"/>
+            </a:solidFill>
+            <a:tailEnd type="triangle"/>
+          </a:ln>
+        </p:spPr>
+        <p:style>
+          <a:lnRef idx="1">
+            <a:schemeClr val="accent1"/>
+          </a:lnRef>
+          <a:fillRef idx="0">
+            <a:schemeClr val="accent1"/>
+          </a:fillRef>
+          <a:effectRef idx="0">
+            <a:schemeClr val="accent1"/>
+          </a:effectRef>
+          <a:fontRef idx="minor">
+            <a:schemeClr val="tx1"/>
+          </a:fontRef>
+        </p:style>
+      </p:cxnSp>
+      <p:sp>
+        <p:nvSpPr>
+          <p:cNvPr id="6" name="TextBox 5">
+            <a:extLst>
+              <a:ext uri="{FF2B5EF4-FFF2-40B4-BE49-F238E27FC236}">
+                <a16:creationId xmlns:a16="http://schemas.microsoft.com/office/drawing/2014/main" id="{7447B6E5-8E6E-4927-A38E-42C9ED885CD0}"/>
+              </a:ext>
+            </a:extLst>
+          </p:cNvPr>
+          <p:cNvSpPr txBox="1"/>
+          <p:nvPr/>
+        </p:nvSpPr>
+        <p:spPr>
+          <a:xfrm>
+            <a:off x="2268465" y="1075491"/>
+            <a:ext cx="367408" cy="738664"/>
+          </a:xfrm>
+          <a:prstGeom prst="rect">
+            <a:avLst/>
+          </a:prstGeom>
+          <a:noFill/>
+        </p:spPr>
+        <p:txBody>
+          <a:bodyPr wrap="none" rtlCol="0">
+            <a:spAutoFit/>
+          </a:bodyPr>
+          <a:lstStyle/>
+          <a:p>
+            <a:pPr algn="ctr"/>
+            <a:r>
+              <a:rPr lang="en-US" sz="1400" dirty="0"/>
+              <a:t>I</a:t>
+            </a:r>
+          </a:p>
+          <a:p>
+            <a:pPr algn="ctr"/>
+            <a:r>
+              <a:rPr lang="en-US" sz="1400" dirty="0"/>
+              <a:t>/</a:t>
+            </a:r>
+          </a:p>
+          <a:p>
+            <a:pPr algn="ctr"/>
+            <a:r>
+              <a:rPr lang="en-US" sz="1400" dirty="0"/>
+              <a:t>16</a:t>
+            </a:r>
+          </a:p>
+        </p:txBody>
+      </p:sp>
+      <p:cxnSp>
+        <p:nvCxnSpPr>
+          <p:cNvPr id="7" name="Straight Arrow Connector 6">
+            <a:extLst>
+              <a:ext uri="{FF2B5EF4-FFF2-40B4-BE49-F238E27FC236}">
+                <a16:creationId xmlns:a16="http://schemas.microsoft.com/office/drawing/2014/main" id="{0B2B59A5-E4E0-4210-8E54-5B1F11957C64}"/>
+              </a:ext>
+            </a:extLst>
+          </p:cNvPr>
+          <p:cNvCxnSpPr/>
+          <p:nvPr/>
+        </p:nvCxnSpPr>
+        <p:spPr>
+          <a:xfrm>
+            <a:off x="2197100" y="2473523"/>
+            <a:ext cx="1231900" cy="0"/>
+          </a:xfrm>
+          <a:prstGeom prst="straightConnector1">
+            <a:avLst/>
+          </a:prstGeom>
+          <a:ln>
+            <a:solidFill>
+              <a:schemeClr val="tx1"/>
+            </a:solidFill>
+            <a:tailEnd type="triangle"/>
+          </a:ln>
+        </p:spPr>
+        <p:style>
+          <a:lnRef idx="1">
+            <a:schemeClr val="accent1"/>
+          </a:lnRef>
+          <a:fillRef idx="0">
+            <a:schemeClr val="accent1"/>
+          </a:fillRef>
+          <a:effectRef idx="0">
+            <a:schemeClr val="accent1"/>
+          </a:effectRef>
+          <a:fontRef idx="minor">
+            <a:schemeClr val="tx1"/>
+          </a:fontRef>
+        </p:style>
+      </p:cxnSp>
+      <p:sp>
+        <p:nvSpPr>
+          <p:cNvPr id="8" name="TextBox 7">
+            <a:extLst>
+              <a:ext uri="{FF2B5EF4-FFF2-40B4-BE49-F238E27FC236}">
+                <a16:creationId xmlns:a16="http://schemas.microsoft.com/office/drawing/2014/main" id="{7BEEEE0A-0056-4F4E-ADC7-FA544BDBE436}"/>
+              </a:ext>
+            </a:extLst>
+          </p:cNvPr>
+          <p:cNvSpPr txBox="1"/>
+          <p:nvPr/>
+        </p:nvSpPr>
+        <p:spPr>
+          <a:xfrm>
+            <a:off x="2199238" y="2104191"/>
+            <a:ext cx="367408" cy="738664"/>
+          </a:xfrm>
+          <a:prstGeom prst="rect">
+            <a:avLst/>
+          </a:prstGeom>
+          <a:noFill/>
+        </p:spPr>
+        <p:txBody>
+          <a:bodyPr wrap="none" rtlCol="0">
+            <a:spAutoFit/>
+          </a:bodyPr>
+          <a:lstStyle/>
+          <a:p>
+            <a:pPr algn="ctr"/>
+            <a:r>
+              <a:rPr lang="en-US" sz="1400" dirty="0"/>
+              <a:t>Q</a:t>
+            </a:r>
+          </a:p>
+          <a:p>
+            <a:pPr algn="ctr"/>
+            <a:r>
+              <a:rPr lang="en-US" sz="1400" dirty="0"/>
+              <a:t>/</a:t>
+            </a:r>
+          </a:p>
+          <a:p>
+            <a:pPr algn="ctr"/>
+            <a:r>
+              <a:rPr lang="en-US" sz="1400" dirty="0"/>
+              <a:t>16</a:t>
+            </a:r>
+          </a:p>
+        </p:txBody>
+      </p:sp>
+      <p:cxnSp>
+        <p:nvCxnSpPr>
+          <p:cNvPr id="9" name="Straight Arrow Connector 8">
+            <a:extLst>
+              <a:ext uri="{FF2B5EF4-FFF2-40B4-BE49-F238E27FC236}">
+                <a16:creationId xmlns:a16="http://schemas.microsoft.com/office/drawing/2014/main" id="{67736D15-C350-441B-B823-5FC5BD8581A0}"/>
+              </a:ext>
+            </a:extLst>
+          </p:cNvPr>
+          <p:cNvCxnSpPr>
+            <a:cxnSpLocks/>
+          </p:cNvCxnSpPr>
+          <p:nvPr/>
+        </p:nvCxnSpPr>
+        <p:spPr>
+          <a:xfrm flipV="1">
+            <a:off x="1593850" y="3429000"/>
+            <a:ext cx="0" cy="623332"/>
+          </a:xfrm>
+          <a:prstGeom prst="straightConnector1">
+            <a:avLst/>
+          </a:prstGeom>
+          <a:ln>
+            <a:solidFill>
+              <a:schemeClr val="tx1"/>
+            </a:solidFill>
+            <a:tailEnd type="triangle"/>
+          </a:ln>
+        </p:spPr>
+        <p:style>
+          <a:lnRef idx="1">
+            <a:schemeClr val="accent1"/>
+          </a:lnRef>
+          <a:fillRef idx="0">
+            <a:schemeClr val="accent1"/>
+          </a:fillRef>
+          <a:effectRef idx="0">
+            <a:schemeClr val="accent1"/>
+          </a:effectRef>
+          <a:fontRef idx="minor">
+            <a:schemeClr val="tx1"/>
+          </a:fontRef>
+        </p:style>
+      </p:cxnSp>
+      <p:sp>
+        <p:nvSpPr>
+          <p:cNvPr id="11" name="TextBox 10">
+            <a:extLst>
+              <a:ext uri="{FF2B5EF4-FFF2-40B4-BE49-F238E27FC236}">
+                <a16:creationId xmlns:a16="http://schemas.microsoft.com/office/drawing/2014/main" id="{B9967251-73F6-4E51-96AD-4962FF43CAE8}"/>
+              </a:ext>
+            </a:extLst>
+          </p:cNvPr>
+          <p:cNvSpPr txBox="1"/>
+          <p:nvPr/>
+        </p:nvSpPr>
+        <p:spPr>
+          <a:xfrm>
+            <a:off x="1234753" y="3096507"/>
+            <a:ext cx="768993" cy="307777"/>
+          </a:xfrm>
+          <a:prstGeom prst="rect">
+            <a:avLst/>
+          </a:prstGeom>
+          <a:noFill/>
+        </p:spPr>
+        <p:txBody>
+          <a:bodyPr wrap="none" rtlCol="0">
+            <a:spAutoFit/>
+          </a:bodyPr>
+          <a:lstStyle/>
+          <a:p>
+            <a:r>
+              <a:rPr lang="en-US" sz="1400" dirty="0"/>
+              <a:t>Address</a:t>
+            </a:r>
+          </a:p>
+        </p:txBody>
+      </p:sp>
+      <p:sp>
+        <p:nvSpPr>
+          <p:cNvPr id="12" name="TextBox 11">
+            <a:extLst>
+              <a:ext uri="{FF2B5EF4-FFF2-40B4-BE49-F238E27FC236}">
+                <a16:creationId xmlns:a16="http://schemas.microsoft.com/office/drawing/2014/main" id="{D5D5AAF7-6B3E-46C1-AB8D-8BABCEF50C3A}"/>
+              </a:ext>
+            </a:extLst>
+          </p:cNvPr>
+          <p:cNvSpPr txBox="1"/>
+          <p:nvPr/>
+        </p:nvSpPr>
+        <p:spPr>
+          <a:xfrm>
+            <a:off x="1477849" y="3674189"/>
+            <a:ext cx="476413" cy="307777"/>
+          </a:xfrm>
+          <a:prstGeom prst="rect">
+            <a:avLst/>
+          </a:prstGeom>
+          <a:noFill/>
+        </p:spPr>
+        <p:txBody>
+          <a:bodyPr wrap="none" rtlCol="0">
+            <a:spAutoFit/>
+          </a:bodyPr>
+          <a:lstStyle/>
+          <a:p>
+            <a:pPr algn="ctr"/>
+            <a:r>
+              <a:rPr lang="en-US" sz="1400" dirty="0"/>
+              <a:t>/ 10</a:t>
+            </a:r>
+          </a:p>
+        </p:txBody>
+      </p:sp>
+      <p:sp>
+        <p:nvSpPr>
+          <p:cNvPr id="13" name="Rectangle 12">
+            <a:extLst>
+              <a:ext uri="{FF2B5EF4-FFF2-40B4-BE49-F238E27FC236}">
+                <a16:creationId xmlns:a16="http://schemas.microsoft.com/office/drawing/2014/main" id="{BC7EAEDE-4DCF-4A2E-85F0-9E816AA1755C}"/>
+              </a:ext>
+            </a:extLst>
+          </p:cNvPr>
+          <p:cNvSpPr/>
+          <p:nvPr/>
+        </p:nvSpPr>
+        <p:spPr>
+          <a:xfrm>
+            <a:off x="1015999" y="4060399"/>
+            <a:ext cx="1155700" cy="402509"/>
+          </a:xfrm>
+          <a:prstGeom prst="rect">
+            <a:avLst/>
+          </a:prstGeom>
+          <a:noFill/>
+          <a:ln>
+            <a:solidFill>
+              <a:schemeClr val="tx1"/>
+            </a:solidFill>
+          </a:ln>
+        </p:spPr>
+        <p:style>
+          <a:lnRef idx="2">
+            <a:schemeClr val="accent1">
+              <a:shade val="50000"/>
+            </a:schemeClr>
+          </a:lnRef>
+          <a:fillRef idx="1">
+            <a:schemeClr val="accent1"/>
+          </a:fillRef>
+          <a:effectRef idx="0">
+            <a:schemeClr val="accent1"/>
+          </a:effectRef>
+          <a:fontRef idx="minor">
+            <a:schemeClr val="lt1"/>
+          </a:fontRef>
+        </p:style>
+        <p:txBody>
+          <a:bodyPr rtlCol="0" anchor="ctr"/>
+          <a:lstStyle/>
+          <a:p>
+            <a:pPr algn="ctr"/>
+            <a:endParaRPr lang="en-US">
+              <a:ln>
+                <a:solidFill>
+                  <a:sysClr val="windowText" lastClr="000000"/>
+                </a:solidFill>
+              </a:ln>
+              <a:solidFill>
+                <a:sysClr val="windowText" lastClr="000000"/>
+              </a:solidFill>
+            </a:endParaRPr>
+          </a:p>
+        </p:txBody>
+      </p:sp>
+      <p:sp>
+        <p:nvSpPr>
+          <p:cNvPr id="14" name="TextBox 13">
+            <a:extLst>
+              <a:ext uri="{FF2B5EF4-FFF2-40B4-BE49-F238E27FC236}">
+                <a16:creationId xmlns:a16="http://schemas.microsoft.com/office/drawing/2014/main" id="{B1464DA8-FD18-4555-B732-79DAD40539FF}"/>
+              </a:ext>
+            </a:extLst>
+          </p:cNvPr>
+          <p:cNvSpPr txBox="1"/>
+          <p:nvPr/>
+        </p:nvSpPr>
+        <p:spPr>
+          <a:xfrm>
+            <a:off x="1185269" y="4155131"/>
+            <a:ext cx="774186" cy="307777"/>
+          </a:xfrm>
+          <a:prstGeom prst="rect">
+            <a:avLst/>
+          </a:prstGeom>
+          <a:noFill/>
+        </p:spPr>
+        <p:txBody>
+          <a:bodyPr wrap="none" rtlCol="0">
+            <a:spAutoFit/>
+          </a:bodyPr>
+          <a:lstStyle/>
+          <a:p>
+            <a:r>
+              <a:rPr lang="en-US" sz="1400" dirty="0"/>
+              <a:t>Counter</a:t>
+            </a:r>
+          </a:p>
+        </p:txBody>
+      </p:sp>
+      <p:sp>
+        <p:nvSpPr>
+          <p:cNvPr id="15" name="TextBox 14">
+            <a:extLst>
+              <a:ext uri="{FF2B5EF4-FFF2-40B4-BE49-F238E27FC236}">
+                <a16:creationId xmlns:a16="http://schemas.microsoft.com/office/drawing/2014/main" id="{6D8C0DAA-456E-4152-A0F8-D8CDC3572F2A}"/>
+              </a:ext>
+            </a:extLst>
+          </p:cNvPr>
+          <p:cNvSpPr txBox="1"/>
+          <p:nvPr/>
+        </p:nvSpPr>
+        <p:spPr>
+          <a:xfrm>
+            <a:off x="205915" y="4676685"/>
+            <a:ext cx="835485" cy="523220"/>
+          </a:xfrm>
+          <a:prstGeom prst="rect">
+            <a:avLst/>
+          </a:prstGeom>
+          <a:noFill/>
+        </p:spPr>
+        <p:txBody>
+          <a:bodyPr wrap="none" rtlCol="0">
+            <a:spAutoFit/>
+          </a:bodyPr>
+          <a:lstStyle/>
+          <a:p>
+            <a:r>
+              <a:rPr lang="en-US" sz="1400" dirty="0" err="1"/>
+              <a:t>Fclock</a:t>
+            </a:r>
+            <a:endParaRPr lang="en-US" sz="1400" dirty="0"/>
+          </a:p>
+          <a:p>
+            <a:r>
+              <a:rPr lang="en-US" sz="1400" dirty="0"/>
+              <a:t>100 MHz</a:t>
+            </a:r>
+          </a:p>
+        </p:txBody>
+      </p:sp>
+      <p:cxnSp>
+        <p:nvCxnSpPr>
+          <p:cNvPr id="18" name="Straight Arrow Connector 17">
+            <a:extLst>
+              <a:ext uri="{FF2B5EF4-FFF2-40B4-BE49-F238E27FC236}">
+                <a16:creationId xmlns:a16="http://schemas.microsoft.com/office/drawing/2014/main" id="{5290E7A4-9302-494E-BA73-A42CA38325BA}"/>
+              </a:ext>
+            </a:extLst>
+          </p:cNvPr>
+          <p:cNvCxnSpPr>
+            <a:cxnSpLocks/>
+          </p:cNvCxnSpPr>
+          <p:nvPr/>
+        </p:nvCxnSpPr>
+        <p:spPr>
+          <a:xfrm>
+            <a:off x="771846" y="4835723"/>
+            <a:ext cx="2923854" cy="0"/>
+          </a:xfrm>
+          <a:prstGeom prst="straightConnector1">
+            <a:avLst/>
+          </a:prstGeom>
+          <a:ln>
+            <a:solidFill>
+              <a:schemeClr val="tx1"/>
+            </a:solidFill>
+            <a:tailEnd type="triangle"/>
+          </a:ln>
+        </p:spPr>
+        <p:style>
+          <a:lnRef idx="1">
+            <a:schemeClr val="accent1"/>
+          </a:lnRef>
+          <a:fillRef idx="0">
+            <a:schemeClr val="accent1"/>
+          </a:fillRef>
+          <a:effectRef idx="0">
+            <a:schemeClr val="accent1"/>
+          </a:effectRef>
+          <a:fontRef idx="minor">
+            <a:schemeClr val="tx1"/>
+          </a:fontRef>
+        </p:style>
+      </p:cxnSp>
+      <p:cxnSp>
+        <p:nvCxnSpPr>
+          <p:cNvPr id="20" name="Straight Arrow Connector 19">
+            <a:extLst>
+              <a:ext uri="{FF2B5EF4-FFF2-40B4-BE49-F238E27FC236}">
+                <a16:creationId xmlns:a16="http://schemas.microsoft.com/office/drawing/2014/main" id="{10F4B3E1-7CA3-49B1-BB9B-9059BE55825B}"/>
+              </a:ext>
+            </a:extLst>
+          </p:cNvPr>
+          <p:cNvCxnSpPr>
+            <a:cxnSpLocks/>
+          </p:cNvCxnSpPr>
+          <p:nvPr/>
+        </p:nvCxnSpPr>
+        <p:spPr>
+          <a:xfrm flipH="1" flipV="1">
+            <a:off x="1600199" y="4462909"/>
+            <a:ext cx="7132" cy="402508"/>
+          </a:xfrm>
+          <a:prstGeom prst="straightConnector1">
+            <a:avLst/>
+          </a:prstGeom>
+          <a:ln>
+            <a:solidFill>
+              <a:schemeClr val="tx1"/>
+            </a:solidFill>
+            <a:tailEnd type="triangle"/>
+          </a:ln>
+        </p:spPr>
+        <p:style>
+          <a:lnRef idx="1">
+            <a:schemeClr val="accent1"/>
+          </a:lnRef>
+          <a:fillRef idx="0">
+            <a:schemeClr val="accent1"/>
+          </a:fillRef>
+          <a:effectRef idx="0">
+            <a:schemeClr val="accent1"/>
+          </a:effectRef>
+          <a:fontRef idx="minor">
+            <a:schemeClr val="tx1"/>
+          </a:fontRef>
+        </p:style>
+      </p:cxnSp>
+      <p:sp>
+        <p:nvSpPr>
+          <p:cNvPr id="22" name="Rectangle 21">
+            <a:extLst>
+              <a:ext uri="{FF2B5EF4-FFF2-40B4-BE49-F238E27FC236}">
+                <a16:creationId xmlns:a16="http://schemas.microsoft.com/office/drawing/2014/main" id="{9DDE59F9-C680-4752-A658-E27E392A147A}"/>
+              </a:ext>
+            </a:extLst>
+          </p:cNvPr>
+          <p:cNvSpPr/>
+          <p:nvPr/>
+        </p:nvSpPr>
+        <p:spPr>
+          <a:xfrm>
+            <a:off x="3702049" y="4634468"/>
+            <a:ext cx="1739633" cy="402509"/>
+          </a:xfrm>
+          <a:prstGeom prst="rect">
+            <a:avLst/>
+          </a:prstGeom>
+          <a:noFill/>
+          <a:ln>
+            <a:solidFill>
+              <a:schemeClr val="tx1"/>
+            </a:solidFill>
+          </a:ln>
+        </p:spPr>
+        <p:style>
+          <a:lnRef idx="2">
+            <a:schemeClr val="accent1">
+              <a:shade val="50000"/>
+            </a:schemeClr>
+          </a:lnRef>
+          <a:fillRef idx="1">
+            <a:schemeClr val="accent1"/>
+          </a:fillRef>
+          <a:effectRef idx="0">
+            <a:schemeClr val="accent1"/>
+          </a:effectRef>
+          <a:fontRef idx="minor">
+            <a:schemeClr val="lt1"/>
+          </a:fontRef>
+        </p:style>
+        <p:txBody>
+          <a:bodyPr rtlCol="0" anchor="ctr"/>
+          <a:lstStyle/>
+          <a:p>
+            <a:pPr algn="ctr"/>
+            <a:endParaRPr lang="en-US">
+              <a:ln>
+                <a:solidFill>
+                  <a:sysClr val="windowText" lastClr="000000"/>
+                </a:solidFill>
+              </a:ln>
+              <a:solidFill>
+                <a:sysClr val="windowText" lastClr="000000"/>
+              </a:solidFill>
+            </a:endParaRPr>
+          </a:p>
+        </p:txBody>
+      </p:sp>
+      <p:sp>
+        <p:nvSpPr>
+          <p:cNvPr id="23" name="Rectangle 22">
+            <a:extLst>
+              <a:ext uri="{FF2B5EF4-FFF2-40B4-BE49-F238E27FC236}">
+                <a16:creationId xmlns:a16="http://schemas.microsoft.com/office/drawing/2014/main" id="{ED7B436E-6DDC-4D17-9A35-321931C3CC95}"/>
+              </a:ext>
+            </a:extLst>
+          </p:cNvPr>
+          <p:cNvSpPr/>
+          <p:nvPr/>
+        </p:nvSpPr>
+        <p:spPr>
+          <a:xfrm>
+            <a:off x="3729296" y="5404868"/>
+            <a:ext cx="1712385" cy="402509"/>
+          </a:xfrm>
+          <a:prstGeom prst="rect">
+            <a:avLst/>
+          </a:prstGeom>
+          <a:noFill/>
+          <a:ln>
+            <a:solidFill>
+              <a:schemeClr val="tx1"/>
+            </a:solidFill>
+          </a:ln>
+        </p:spPr>
+        <p:style>
+          <a:lnRef idx="2">
+            <a:schemeClr val="accent1">
+              <a:shade val="50000"/>
+            </a:schemeClr>
+          </a:lnRef>
+          <a:fillRef idx="1">
+            <a:schemeClr val="accent1"/>
+          </a:fillRef>
+          <a:effectRef idx="0">
+            <a:schemeClr val="accent1"/>
+          </a:effectRef>
+          <a:fontRef idx="minor">
+            <a:schemeClr val="lt1"/>
+          </a:fontRef>
+        </p:style>
+        <p:txBody>
+          <a:bodyPr rtlCol="0" anchor="ctr"/>
+          <a:lstStyle/>
+          <a:p>
+            <a:pPr algn="ctr"/>
+            <a:endParaRPr lang="en-US">
+              <a:ln>
+                <a:solidFill>
+                  <a:sysClr val="windowText" lastClr="000000"/>
+                </a:solidFill>
+              </a:ln>
+              <a:solidFill>
+                <a:sysClr val="windowText" lastClr="000000"/>
+              </a:solidFill>
+            </a:endParaRPr>
+          </a:p>
+        </p:txBody>
+      </p:sp>
+      <p:sp>
+        <p:nvSpPr>
+          <p:cNvPr id="24" name="TextBox 23">
+            <a:extLst>
+              <a:ext uri="{FF2B5EF4-FFF2-40B4-BE49-F238E27FC236}">
+                <a16:creationId xmlns:a16="http://schemas.microsoft.com/office/drawing/2014/main" id="{23253447-2FCF-46E8-AEE1-C88F030684EE}"/>
+              </a:ext>
+            </a:extLst>
+          </p:cNvPr>
+          <p:cNvSpPr txBox="1"/>
+          <p:nvPr/>
+        </p:nvSpPr>
+        <p:spPr>
+          <a:xfrm>
+            <a:off x="3867406" y="4676685"/>
+            <a:ext cx="1574277" cy="307777"/>
+          </a:xfrm>
+          <a:prstGeom prst="rect">
+            <a:avLst/>
+          </a:prstGeom>
+          <a:noFill/>
+        </p:spPr>
+        <p:txBody>
+          <a:bodyPr wrap="none" rtlCol="0">
+            <a:spAutoFit/>
+          </a:bodyPr>
+          <a:lstStyle/>
+          <a:p>
+            <a:r>
+              <a:rPr lang="en-US" sz="1400" dirty="0"/>
+              <a:t>32 bit Accumulator</a:t>
+            </a:r>
+          </a:p>
+        </p:txBody>
+      </p:sp>
+      <p:sp>
+        <p:nvSpPr>
+          <p:cNvPr id="25" name="TextBox 24">
+            <a:extLst>
+              <a:ext uri="{FF2B5EF4-FFF2-40B4-BE49-F238E27FC236}">
+                <a16:creationId xmlns:a16="http://schemas.microsoft.com/office/drawing/2014/main" id="{DC8E8405-86F5-4F48-B2F4-FD3F0ED353C7}"/>
+              </a:ext>
+            </a:extLst>
+          </p:cNvPr>
+          <p:cNvSpPr txBox="1"/>
+          <p:nvPr/>
+        </p:nvSpPr>
+        <p:spPr>
+          <a:xfrm>
+            <a:off x="3925707" y="5452233"/>
+            <a:ext cx="1235595" cy="307777"/>
+          </a:xfrm>
+          <a:prstGeom prst="rect">
+            <a:avLst/>
+          </a:prstGeom>
+          <a:noFill/>
+        </p:spPr>
+        <p:txBody>
+          <a:bodyPr wrap="none" rtlCol="0">
+            <a:spAutoFit/>
+          </a:bodyPr>
+          <a:lstStyle/>
+          <a:p>
+            <a:r>
+              <a:rPr lang="en-US" sz="1400" dirty="0"/>
+              <a:t>32 bit Register</a:t>
+            </a:r>
+          </a:p>
+        </p:txBody>
+      </p:sp>
+      <p:cxnSp>
+        <p:nvCxnSpPr>
+          <p:cNvPr id="27" name="Straight Arrow Connector 26">
+            <a:extLst>
+              <a:ext uri="{FF2B5EF4-FFF2-40B4-BE49-F238E27FC236}">
+                <a16:creationId xmlns:a16="http://schemas.microsoft.com/office/drawing/2014/main" id="{11D70A8B-948D-4657-A3B5-6CB385195199}"/>
+              </a:ext>
+            </a:extLst>
+          </p:cNvPr>
+          <p:cNvCxnSpPr>
+            <a:cxnSpLocks/>
+          </p:cNvCxnSpPr>
+          <p:nvPr/>
+        </p:nvCxnSpPr>
+        <p:spPr>
+          <a:xfrm flipH="1" flipV="1">
+            <a:off x="4432299" y="5044985"/>
+            <a:ext cx="7132" cy="402508"/>
+          </a:xfrm>
+          <a:prstGeom prst="straightConnector1">
+            <a:avLst/>
+          </a:prstGeom>
+          <a:ln>
+            <a:solidFill>
+              <a:schemeClr val="tx1"/>
+            </a:solidFill>
+            <a:tailEnd type="triangle"/>
+          </a:ln>
+        </p:spPr>
+        <p:style>
+          <a:lnRef idx="1">
+            <a:schemeClr val="accent1"/>
+          </a:lnRef>
+          <a:fillRef idx="0">
+            <a:schemeClr val="accent1"/>
+          </a:fillRef>
+          <a:effectRef idx="0">
+            <a:schemeClr val="accent1"/>
+          </a:effectRef>
+          <a:fontRef idx="minor">
+            <a:schemeClr val="tx1"/>
+          </a:fontRef>
+        </p:style>
+      </p:cxnSp>
+      <p:sp>
+        <p:nvSpPr>
+          <p:cNvPr id="28" name="TextBox 27">
+            <a:extLst>
+              <a:ext uri="{FF2B5EF4-FFF2-40B4-BE49-F238E27FC236}">
+                <a16:creationId xmlns:a16="http://schemas.microsoft.com/office/drawing/2014/main" id="{E6715229-D7D7-4F0B-8601-4A46ABB4CBB8}"/>
+              </a:ext>
+            </a:extLst>
+          </p:cNvPr>
+          <p:cNvSpPr txBox="1"/>
+          <p:nvPr/>
+        </p:nvSpPr>
+        <p:spPr>
+          <a:xfrm>
+            <a:off x="4305299" y="5071869"/>
+            <a:ext cx="476413" cy="307777"/>
+          </a:xfrm>
+          <a:prstGeom prst="rect">
+            <a:avLst/>
+          </a:prstGeom>
+          <a:noFill/>
+        </p:spPr>
+        <p:txBody>
+          <a:bodyPr wrap="none" rtlCol="0">
+            <a:spAutoFit/>
+          </a:bodyPr>
+          <a:lstStyle/>
+          <a:p>
+            <a:pPr algn="ctr"/>
+            <a:r>
+              <a:rPr lang="en-US" sz="1400" dirty="0"/>
+              <a:t>/ 32</a:t>
+            </a:r>
+          </a:p>
+        </p:txBody>
+      </p:sp>
+      <p:cxnSp>
+        <p:nvCxnSpPr>
+          <p:cNvPr id="29" name="Straight Arrow Connector 28">
+            <a:extLst>
+              <a:ext uri="{FF2B5EF4-FFF2-40B4-BE49-F238E27FC236}">
+                <a16:creationId xmlns:a16="http://schemas.microsoft.com/office/drawing/2014/main" id="{19C538CB-40F9-4EF4-81F0-52CE82BE018E}"/>
+              </a:ext>
+            </a:extLst>
+          </p:cNvPr>
+          <p:cNvCxnSpPr>
+            <a:cxnSpLocks/>
+          </p:cNvCxnSpPr>
+          <p:nvPr/>
+        </p:nvCxnSpPr>
+        <p:spPr>
+          <a:xfrm flipH="1" flipV="1">
+            <a:off x="4439431" y="5832599"/>
+            <a:ext cx="7132" cy="402508"/>
+          </a:xfrm>
+          <a:prstGeom prst="straightConnector1">
+            <a:avLst/>
+          </a:prstGeom>
+          <a:ln>
+            <a:solidFill>
+              <a:schemeClr val="tx1"/>
+            </a:solidFill>
+            <a:tailEnd type="triangle"/>
+          </a:ln>
+        </p:spPr>
+        <p:style>
+          <a:lnRef idx="1">
+            <a:schemeClr val="accent1"/>
+          </a:lnRef>
+          <a:fillRef idx="0">
+            <a:schemeClr val="accent1"/>
+          </a:fillRef>
+          <a:effectRef idx="0">
+            <a:schemeClr val="accent1"/>
+          </a:effectRef>
+          <a:fontRef idx="minor">
+            <a:schemeClr val="tx1"/>
+          </a:fontRef>
+        </p:style>
+      </p:cxnSp>
+      <p:sp>
+        <p:nvSpPr>
+          <p:cNvPr id="30" name="TextBox 29">
+            <a:extLst>
+              <a:ext uri="{FF2B5EF4-FFF2-40B4-BE49-F238E27FC236}">
+                <a16:creationId xmlns:a16="http://schemas.microsoft.com/office/drawing/2014/main" id="{933CBE31-DAAE-4CA4-A739-DAEDBCB99D41}"/>
+              </a:ext>
+            </a:extLst>
+          </p:cNvPr>
+          <p:cNvSpPr txBox="1"/>
+          <p:nvPr/>
+        </p:nvSpPr>
+        <p:spPr>
+          <a:xfrm>
+            <a:off x="3356576" y="6235107"/>
+            <a:ext cx="2373855" cy="307777"/>
+          </a:xfrm>
+          <a:prstGeom prst="rect">
+            <a:avLst/>
+          </a:prstGeom>
+          <a:noFill/>
+        </p:spPr>
+        <p:txBody>
+          <a:bodyPr wrap="none" rtlCol="0">
+            <a:spAutoFit/>
+          </a:bodyPr>
+          <a:lstStyle/>
+          <a:p>
+            <a:r>
+              <a:rPr lang="en-US" sz="1400" dirty="0"/>
+              <a:t>DDS Phase Increment from PC</a:t>
+            </a:r>
+          </a:p>
+        </p:txBody>
+      </p:sp>
+      <p:cxnSp>
+        <p:nvCxnSpPr>
+          <p:cNvPr id="31" name="Straight Arrow Connector 30">
+            <a:extLst>
+              <a:ext uri="{FF2B5EF4-FFF2-40B4-BE49-F238E27FC236}">
+                <a16:creationId xmlns:a16="http://schemas.microsoft.com/office/drawing/2014/main" id="{CC4345D7-C695-4EC2-900E-1FB4A157ACE8}"/>
+              </a:ext>
+            </a:extLst>
+          </p:cNvPr>
+          <p:cNvCxnSpPr>
+            <a:cxnSpLocks/>
+          </p:cNvCxnSpPr>
+          <p:nvPr/>
+        </p:nvCxnSpPr>
+        <p:spPr>
+          <a:xfrm flipH="1" flipV="1">
+            <a:off x="3957451" y="4219349"/>
+            <a:ext cx="7132" cy="402508"/>
+          </a:xfrm>
+          <a:prstGeom prst="straightConnector1">
+            <a:avLst/>
+          </a:prstGeom>
+          <a:ln>
+            <a:solidFill>
+              <a:schemeClr val="tx1"/>
+            </a:solidFill>
+            <a:tailEnd type="triangle"/>
+          </a:ln>
+        </p:spPr>
+        <p:style>
+          <a:lnRef idx="1">
+            <a:schemeClr val="accent1"/>
+          </a:lnRef>
+          <a:fillRef idx="0">
+            <a:schemeClr val="accent1"/>
+          </a:fillRef>
+          <a:effectRef idx="0">
+            <a:schemeClr val="accent1"/>
+          </a:effectRef>
+          <a:fontRef idx="minor">
+            <a:schemeClr val="tx1"/>
+          </a:fontRef>
+        </p:style>
+      </p:cxnSp>
+      <p:sp>
+        <p:nvSpPr>
+          <p:cNvPr id="32" name="TextBox 31">
+            <a:extLst>
+              <a:ext uri="{FF2B5EF4-FFF2-40B4-BE49-F238E27FC236}">
+                <a16:creationId xmlns:a16="http://schemas.microsoft.com/office/drawing/2014/main" id="{305E0F7F-55C8-4C13-A32B-008D5A48C5A1}"/>
+              </a:ext>
+            </a:extLst>
+          </p:cNvPr>
+          <p:cNvSpPr txBox="1"/>
+          <p:nvPr/>
+        </p:nvSpPr>
+        <p:spPr>
+          <a:xfrm>
+            <a:off x="3841586" y="4285676"/>
+            <a:ext cx="476413" cy="307777"/>
+          </a:xfrm>
+          <a:prstGeom prst="rect">
+            <a:avLst/>
+          </a:prstGeom>
+          <a:noFill/>
+        </p:spPr>
+        <p:txBody>
+          <a:bodyPr wrap="none" rtlCol="0">
+            <a:spAutoFit/>
+          </a:bodyPr>
+          <a:lstStyle/>
+          <a:p>
+            <a:pPr algn="ctr"/>
+            <a:r>
+              <a:rPr lang="en-US" sz="1400" dirty="0"/>
+              <a:t>/ 10</a:t>
+            </a:r>
+          </a:p>
+        </p:txBody>
+      </p:sp>
+      <p:sp>
+        <p:nvSpPr>
+          <p:cNvPr id="33" name="Rectangle 32">
+            <a:extLst>
+              <a:ext uri="{FF2B5EF4-FFF2-40B4-BE49-F238E27FC236}">
+                <a16:creationId xmlns:a16="http://schemas.microsoft.com/office/drawing/2014/main" id="{A086D31E-E9A6-4CDF-95B4-C0B5E7E1728C}"/>
+              </a:ext>
+            </a:extLst>
+          </p:cNvPr>
+          <p:cNvSpPr/>
+          <p:nvPr/>
+        </p:nvSpPr>
+        <p:spPr>
+          <a:xfrm>
+            <a:off x="3727449" y="3436339"/>
+            <a:ext cx="1155700" cy="783012"/>
+          </a:xfrm>
+          <a:prstGeom prst="rect">
+            <a:avLst/>
+          </a:prstGeom>
+          <a:noFill/>
+          <a:ln>
+            <a:solidFill>
+              <a:schemeClr val="tx1"/>
+            </a:solidFill>
+          </a:ln>
+        </p:spPr>
+        <p:style>
+          <a:lnRef idx="2">
+            <a:schemeClr val="accent1">
+              <a:shade val="50000"/>
+            </a:schemeClr>
+          </a:lnRef>
+          <a:fillRef idx="1">
+            <a:schemeClr val="accent1"/>
+          </a:fillRef>
+          <a:effectRef idx="0">
+            <a:schemeClr val="accent1"/>
+          </a:effectRef>
+          <a:fontRef idx="minor">
+            <a:schemeClr val="lt1"/>
+          </a:fontRef>
+        </p:style>
+        <p:txBody>
+          <a:bodyPr rtlCol="0" anchor="ctr"/>
+          <a:lstStyle/>
+          <a:p>
+            <a:pPr algn="ctr"/>
+            <a:endParaRPr lang="en-US">
+              <a:ln>
+                <a:solidFill>
+                  <a:sysClr val="windowText" lastClr="000000"/>
+                </a:solidFill>
+              </a:ln>
+              <a:solidFill>
+                <a:sysClr val="windowText" lastClr="000000"/>
+              </a:solidFill>
+            </a:endParaRPr>
+          </a:p>
+        </p:txBody>
+      </p:sp>
+      <p:sp>
+        <p:nvSpPr>
+          <p:cNvPr id="34" name="TextBox 33">
+            <a:extLst>
+              <a:ext uri="{FF2B5EF4-FFF2-40B4-BE49-F238E27FC236}">
+                <a16:creationId xmlns:a16="http://schemas.microsoft.com/office/drawing/2014/main" id="{3E86194A-A128-46ED-B90C-1113B67300C9}"/>
+              </a:ext>
+            </a:extLst>
+          </p:cNvPr>
+          <p:cNvSpPr txBox="1"/>
+          <p:nvPr/>
+        </p:nvSpPr>
+        <p:spPr>
+          <a:xfrm>
+            <a:off x="3695700" y="3909446"/>
+            <a:ext cx="768993" cy="307777"/>
+          </a:xfrm>
+          <a:prstGeom prst="rect">
+            <a:avLst/>
+          </a:prstGeom>
+          <a:noFill/>
+        </p:spPr>
+        <p:txBody>
+          <a:bodyPr wrap="none" rtlCol="0">
+            <a:spAutoFit/>
+          </a:bodyPr>
+          <a:lstStyle/>
+          <a:p>
+            <a:r>
+              <a:rPr lang="en-US" sz="1400" dirty="0"/>
+              <a:t>Address</a:t>
+            </a:r>
+          </a:p>
+        </p:txBody>
+      </p:sp>
+      <p:sp>
+        <p:nvSpPr>
+          <p:cNvPr id="36" name="Rectangle 35">
+            <a:extLst>
+              <a:ext uri="{FF2B5EF4-FFF2-40B4-BE49-F238E27FC236}">
+                <a16:creationId xmlns:a16="http://schemas.microsoft.com/office/drawing/2014/main" id="{BBBCD70C-F0EC-4E7A-ABEC-DEFC0F8E6332}"/>
+              </a:ext>
+            </a:extLst>
+          </p:cNvPr>
+          <p:cNvSpPr/>
+          <p:nvPr/>
+        </p:nvSpPr>
+        <p:spPr>
+          <a:xfrm>
+            <a:off x="3428999" y="1115059"/>
+            <a:ext cx="1454149" cy="1596251"/>
+          </a:xfrm>
+          <a:prstGeom prst="rect">
+            <a:avLst/>
+          </a:prstGeom>
+          <a:noFill/>
+          <a:ln>
+            <a:solidFill>
+              <a:schemeClr val="tx1"/>
+            </a:solidFill>
+          </a:ln>
+        </p:spPr>
+        <p:style>
+          <a:lnRef idx="2">
+            <a:schemeClr val="accent1">
+              <a:shade val="50000"/>
+            </a:schemeClr>
+          </a:lnRef>
+          <a:fillRef idx="1">
+            <a:schemeClr val="accent1"/>
+          </a:fillRef>
+          <a:effectRef idx="0">
+            <a:schemeClr val="accent1"/>
+          </a:effectRef>
+          <a:fontRef idx="minor">
+            <a:schemeClr val="lt1"/>
+          </a:fontRef>
+        </p:style>
+        <p:txBody>
+          <a:bodyPr rtlCol="0" anchor="ctr"/>
+          <a:lstStyle/>
+          <a:p>
+            <a:pPr algn="ctr"/>
+            <a:endParaRPr lang="en-US">
+              <a:ln>
+                <a:solidFill>
+                  <a:sysClr val="windowText" lastClr="000000"/>
+                </a:solidFill>
+              </a:ln>
+              <a:solidFill>
+                <a:sysClr val="windowText" lastClr="000000"/>
+              </a:solidFill>
+            </a:endParaRPr>
+          </a:p>
+        </p:txBody>
+      </p:sp>
+      <p:sp>
+        <p:nvSpPr>
+          <p:cNvPr id="37" name="TextBox 36">
+            <a:extLst>
+              <a:ext uri="{FF2B5EF4-FFF2-40B4-BE49-F238E27FC236}">
+                <a16:creationId xmlns:a16="http://schemas.microsoft.com/office/drawing/2014/main" id="{F7B92007-4063-4025-A3DC-5665E814FE5E}"/>
+              </a:ext>
+            </a:extLst>
+          </p:cNvPr>
+          <p:cNvSpPr txBox="1"/>
+          <p:nvPr/>
+        </p:nvSpPr>
+        <p:spPr>
+          <a:xfrm>
+            <a:off x="4295595" y="2909656"/>
+            <a:ext cx="787726" cy="307777"/>
+          </a:xfrm>
+          <a:prstGeom prst="rect">
+            <a:avLst/>
+          </a:prstGeom>
+          <a:noFill/>
+        </p:spPr>
+        <p:txBody>
+          <a:bodyPr wrap="square" rtlCol="0">
+            <a:spAutoFit/>
+          </a:bodyPr>
+          <a:lstStyle/>
+          <a:p>
+            <a:pPr algn="ctr"/>
+            <a:r>
+              <a:rPr lang="en-US" sz="1400" dirty="0"/>
+              <a:t>/ 16</a:t>
+            </a:r>
+          </a:p>
+        </p:txBody>
+      </p:sp>
+      <p:cxnSp>
+        <p:nvCxnSpPr>
+          <p:cNvPr id="38" name="Straight Arrow Connector 37">
+            <a:extLst>
+              <a:ext uri="{FF2B5EF4-FFF2-40B4-BE49-F238E27FC236}">
+                <a16:creationId xmlns:a16="http://schemas.microsoft.com/office/drawing/2014/main" id="{39986541-AC0F-40A5-9C20-20D75C21473C}"/>
+              </a:ext>
+            </a:extLst>
+          </p:cNvPr>
+          <p:cNvCxnSpPr>
+            <a:cxnSpLocks/>
+          </p:cNvCxnSpPr>
+          <p:nvPr/>
+        </p:nvCxnSpPr>
+        <p:spPr>
+          <a:xfrm flipV="1">
+            <a:off x="3818633" y="2711272"/>
+            <a:ext cx="0" cy="760363"/>
+          </a:xfrm>
+          <a:prstGeom prst="straightConnector1">
+            <a:avLst/>
+          </a:prstGeom>
+          <a:ln>
+            <a:solidFill>
+              <a:schemeClr val="tx1"/>
+            </a:solidFill>
+            <a:tailEnd type="triangle"/>
+          </a:ln>
+        </p:spPr>
+        <p:style>
+          <a:lnRef idx="1">
+            <a:schemeClr val="accent1"/>
+          </a:lnRef>
+          <a:fillRef idx="0">
+            <a:schemeClr val="accent1"/>
+          </a:fillRef>
+          <a:effectRef idx="0">
+            <a:schemeClr val="accent1"/>
+          </a:effectRef>
+          <a:fontRef idx="minor">
+            <a:schemeClr val="tx1"/>
+          </a:fontRef>
+        </p:style>
+      </p:cxnSp>
+      <p:cxnSp>
+        <p:nvCxnSpPr>
+          <p:cNvPr id="40" name="Straight Arrow Connector 39">
+            <a:extLst>
+              <a:ext uri="{FF2B5EF4-FFF2-40B4-BE49-F238E27FC236}">
+                <a16:creationId xmlns:a16="http://schemas.microsoft.com/office/drawing/2014/main" id="{6AAC723A-AAC3-41BA-8C91-D3115EF0203D}"/>
+              </a:ext>
+            </a:extLst>
+          </p:cNvPr>
+          <p:cNvCxnSpPr>
+            <a:cxnSpLocks/>
+          </p:cNvCxnSpPr>
+          <p:nvPr/>
+        </p:nvCxnSpPr>
+        <p:spPr>
+          <a:xfrm flipV="1">
+            <a:off x="4585488" y="2668637"/>
+            <a:ext cx="0" cy="760363"/>
+          </a:xfrm>
+          <a:prstGeom prst="straightConnector1">
+            <a:avLst/>
+          </a:prstGeom>
+          <a:ln>
+            <a:solidFill>
+              <a:schemeClr val="tx1"/>
+            </a:solidFill>
+            <a:tailEnd type="triangle"/>
+          </a:ln>
+        </p:spPr>
+        <p:style>
+          <a:lnRef idx="1">
+            <a:schemeClr val="accent1"/>
+          </a:lnRef>
+          <a:fillRef idx="0">
+            <a:schemeClr val="accent1"/>
+          </a:fillRef>
+          <a:effectRef idx="0">
+            <a:schemeClr val="accent1"/>
+          </a:effectRef>
+          <a:fontRef idx="minor">
+            <a:schemeClr val="tx1"/>
+          </a:fontRef>
+        </p:style>
+      </p:cxnSp>
+      <p:sp>
+        <p:nvSpPr>
+          <p:cNvPr id="41" name="TextBox 40">
+            <a:extLst>
+              <a:ext uri="{FF2B5EF4-FFF2-40B4-BE49-F238E27FC236}">
+                <a16:creationId xmlns:a16="http://schemas.microsoft.com/office/drawing/2014/main" id="{66E00CC4-3BF2-46FD-9AFF-509E19911AC3}"/>
+              </a:ext>
+            </a:extLst>
+          </p:cNvPr>
+          <p:cNvSpPr txBox="1"/>
+          <p:nvPr/>
+        </p:nvSpPr>
+        <p:spPr>
+          <a:xfrm>
+            <a:off x="3533594" y="2909656"/>
+            <a:ext cx="787726" cy="307777"/>
+          </a:xfrm>
+          <a:prstGeom prst="rect">
+            <a:avLst/>
+          </a:prstGeom>
+          <a:noFill/>
+        </p:spPr>
+        <p:txBody>
+          <a:bodyPr wrap="square" rtlCol="0">
+            <a:spAutoFit/>
+          </a:bodyPr>
+          <a:lstStyle/>
+          <a:p>
+            <a:pPr algn="ctr"/>
+            <a:r>
+              <a:rPr lang="en-US" sz="1400" dirty="0"/>
+              <a:t>/ 16</a:t>
+            </a:r>
+          </a:p>
+        </p:txBody>
+      </p:sp>
+      <p:sp>
+        <p:nvSpPr>
+          <p:cNvPr id="42" name="TextBox 41">
+            <a:extLst>
+              <a:ext uri="{FF2B5EF4-FFF2-40B4-BE49-F238E27FC236}">
+                <a16:creationId xmlns:a16="http://schemas.microsoft.com/office/drawing/2014/main" id="{41CBD801-28A6-4170-AA51-66A758C45347}"/>
+              </a:ext>
+            </a:extLst>
+          </p:cNvPr>
+          <p:cNvSpPr txBox="1"/>
+          <p:nvPr/>
+        </p:nvSpPr>
+        <p:spPr>
+          <a:xfrm>
+            <a:off x="3714748" y="3420131"/>
+            <a:ext cx="229550" cy="307777"/>
+          </a:xfrm>
+          <a:prstGeom prst="rect">
+            <a:avLst/>
+          </a:prstGeom>
+          <a:noFill/>
+        </p:spPr>
+        <p:txBody>
+          <a:bodyPr wrap="none" rtlCol="0">
+            <a:spAutoFit/>
+          </a:bodyPr>
+          <a:lstStyle/>
+          <a:p>
+            <a:r>
+              <a:rPr lang="en-US" sz="1400" dirty="0"/>
+              <a:t>I</a:t>
+            </a:r>
+          </a:p>
+        </p:txBody>
+      </p:sp>
+      <p:sp>
+        <p:nvSpPr>
+          <p:cNvPr id="43" name="TextBox 42">
+            <a:extLst>
+              <a:ext uri="{FF2B5EF4-FFF2-40B4-BE49-F238E27FC236}">
+                <a16:creationId xmlns:a16="http://schemas.microsoft.com/office/drawing/2014/main" id="{C20CB209-CBCF-4B0D-A949-34F6B312418A}"/>
+              </a:ext>
+            </a:extLst>
+          </p:cNvPr>
+          <p:cNvSpPr txBox="1"/>
+          <p:nvPr/>
+        </p:nvSpPr>
+        <p:spPr>
+          <a:xfrm>
+            <a:off x="4497859" y="3423017"/>
+            <a:ext cx="304892" cy="307777"/>
+          </a:xfrm>
+          <a:prstGeom prst="rect">
+            <a:avLst/>
+          </a:prstGeom>
+          <a:noFill/>
+        </p:spPr>
+        <p:txBody>
+          <a:bodyPr wrap="none" rtlCol="0">
+            <a:spAutoFit/>
+          </a:bodyPr>
+          <a:lstStyle/>
+          <a:p>
+            <a:r>
+              <a:rPr lang="en-US" sz="1400" dirty="0"/>
+              <a:t>Q</a:t>
+            </a:r>
+          </a:p>
+        </p:txBody>
+      </p:sp>
+      <p:sp>
+        <p:nvSpPr>
+          <p:cNvPr id="44" name="TextBox 43">
+            <a:extLst>
+              <a:ext uri="{FF2B5EF4-FFF2-40B4-BE49-F238E27FC236}">
+                <a16:creationId xmlns:a16="http://schemas.microsoft.com/office/drawing/2014/main" id="{784B8F9C-6519-4F70-8D26-401009D7EE63}"/>
+              </a:ext>
+            </a:extLst>
+          </p:cNvPr>
+          <p:cNvSpPr txBox="1"/>
+          <p:nvPr/>
+        </p:nvSpPr>
+        <p:spPr>
+          <a:xfrm>
+            <a:off x="3807685" y="3607626"/>
+            <a:ext cx="914417" cy="307777"/>
+          </a:xfrm>
+          <a:prstGeom prst="rect">
+            <a:avLst/>
+          </a:prstGeom>
+          <a:noFill/>
+        </p:spPr>
+        <p:txBody>
+          <a:bodyPr wrap="none" rtlCol="0">
+            <a:spAutoFit/>
+          </a:bodyPr>
+          <a:lstStyle/>
+          <a:p>
+            <a:r>
+              <a:rPr lang="en-US" sz="1400" dirty="0"/>
+              <a:t>DDS Table</a:t>
+            </a:r>
+          </a:p>
+        </p:txBody>
+      </p:sp>
+      <p:sp>
+        <p:nvSpPr>
+          <p:cNvPr id="45" name="TextBox 44">
+            <a:extLst>
+              <a:ext uri="{FF2B5EF4-FFF2-40B4-BE49-F238E27FC236}">
+                <a16:creationId xmlns:a16="http://schemas.microsoft.com/office/drawing/2014/main" id="{E3AEA08F-3EA5-4194-84F0-4E35455D2C55}"/>
+              </a:ext>
+            </a:extLst>
+          </p:cNvPr>
+          <p:cNvSpPr txBox="1"/>
+          <p:nvPr/>
+        </p:nvSpPr>
+        <p:spPr>
+          <a:xfrm>
+            <a:off x="3763241" y="1563315"/>
+            <a:ext cx="819968" cy="523220"/>
+          </a:xfrm>
+          <a:prstGeom prst="rect">
+            <a:avLst/>
+          </a:prstGeom>
+          <a:noFill/>
+        </p:spPr>
+        <p:txBody>
+          <a:bodyPr wrap="none" rtlCol="0">
+            <a:spAutoFit/>
+          </a:bodyPr>
+          <a:lstStyle/>
+          <a:p>
+            <a:r>
+              <a:rPr lang="en-US" sz="1400" dirty="0"/>
+              <a:t>Complex</a:t>
+            </a:r>
+          </a:p>
+          <a:p>
+            <a:r>
+              <a:rPr lang="en-US" sz="1400" dirty="0"/>
+              <a:t>Multiply</a:t>
+            </a:r>
+          </a:p>
+        </p:txBody>
+      </p:sp>
+      <p:cxnSp>
+        <p:nvCxnSpPr>
+          <p:cNvPr id="46" name="Straight Arrow Connector 45">
+            <a:extLst>
+              <a:ext uri="{FF2B5EF4-FFF2-40B4-BE49-F238E27FC236}">
+                <a16:creationId xmlns:a16="http://schemas.microsoft.com/office/drawing/2014/main" id="{75C18AC5-440A-42EF-B7E9-92E006F2FAC9}"/>
+              </a:ext>
+            </a:extLst>
+          </p:cNvPr>
+          <p:cNvCxnSpPr/>
+          <p:nvPr/>
+        </p:nvCxnSpPr>
+        <p:spPr>
+          <a:xfrm>
+            <a:off x="4883148" y="1444823"/>
+            <a:ext cx="1231900" cy="0"/>
+          </a:xfrm>
+          <a:prstGeom prst="straightConnector1">
+            <a:avLst/>
+          </a:prstGeom>
+          <a:ln>
+            <a:solidFill>
+              <a:schemeClr val="tx1"/>
+            </a:solidFill>
+            <a:tailEnd type="triangle"/>
+          </a:ln>
+        </p:spPr>
+        <p:style>
+          <a:lnRef idx="1">
+            <a:schemeClr val="accent1"/>
+          </a:lnRef>
+          <a:fillRef idx="0">
+            <a:schemeClr val="accent1"/>
+          </a:fillRef>
+          <a:effectRef idx="0">
+            <a:schemeClr val="accent1"/>
+          </a:effectRef>
+          <a:fontRef idx="minor">
+            <a:schemeClr val="tx1"/>
+          </a:fontRef>
+        </p:style>
+      </p:cxnSp>
+      <p:sp>
+        <p:nvSpPr>
+          <p:cNvPr id="47" name="TextBox 46">
+            <a:extLst>
+              <a:ext uri="{FF2B5EF4-FFF2-40B4-BE49-F238E27FC236}">
+                <a16:creationId xmlns:a16="http://schemas.microsoft.com/office/drawing/2014/main" id="{5813F58C-353F-4712-9415-ED103D7EBC15}"/>
+              </a:ext>
+            </a:extLst>
+          </p:cNvPr>
+          <p:cNvSpPr txBox="1"/>
+          <p:nvPr/>
+        </p:nvSpPr>
+        <p:spPr>
+          <a:xfrm>
+            <a:off x="5074273" y="1089531"/>
+            <a:ext cx="367408" cy="738664"/>
+          </a:xfrm>
+          <a:prstGeom prst="rect">
+            <a:avLst/>
+          </a:prstGeom>
+          <a:noFill/>
+        </p:spPr>
+        <p:txBody>
+          <a:bodyPr wrap="none" rtlCol="0">
+            <a:spAutoFit/>
+          </a:bodyPr>
+          <a:lstStyle/>
+          <a:p>
+            <a:pPr algn="ctr"/>
+            <a:r>
+              <a:rPr lang="en-US" sz="1400" dirty="0"/>
+              <a:t>I</a:t>
+            </a:r>
+          </a:p>
+          <a:p>
+            <a:pPr algn="ctr"/>
+            <a:r>
+              <a:rPr lang="en-US" sz="1400" dirty="0"/>
+              <a:t>/</a:t>
+            </a:r>
+          </a:p>
+          <a:p>
+            <a:pPr algn="ctr"/>
+            <a:r>
+              <a:rPr lang="en-US" sz="1400" dirty="0"/>
+              <a:t>16</a:t>
+            </a:r>
+          </a:p>
+        </p:txBody>
+      </p:sp>
+      <p:cxnSp>
+        <p:nvCxnSpPr>
+          <p:cNvPr id="48" name="Straight Arrow Connector 47">
+            <a:extLst>
+              <a:ext uri="{FF2B5EF4-FFF2-40B4-BE49-F238E27FC236}">
+                <a16:creationId xmlns:a16="http://schemas.microsoft.com/office/drawing/2014/main" id="{373096D3-BA5E-4F4A-975E-FD3F191B0E74}"/>
+              </a:ext>
+            </a:extLst>
+          </p:cNvPr>
+          <p:cNvCxnSpPr/>
+          <p:nvPr/>
+        </p:nvCxnSpPr>
+        <p:spPr>
+          <a:xfrm>
+            <a:off x="4882881" y="2457846"/>
+            <a:ext cx="1231900" cy="0"/>
+          </a:xfrm>
+          <a:prstGeom prst="straightConnector1">
+            <a:avLst/>
+          </a:prstGeom>
+          <a:ln>
+            <a:solidFill>
+              <a:schemeClr val="tx1"/>
+            </a:solidFill>
+            <a:tailEnd type="triangle"/>
+          </a:ln>
+        </p:spPr>
+        <p:style>
+          <a:lnRef idx="1">
+            <a:schemeClr val="accent1"/>
+          </a:lnRef>
+          <a:fillRef idx="0">
+            <a:schemeClr val="accent1"/>
+          </a:fillRef>
+          <a:effectRef idx="0">
+            <a:schemeClr val="accent1"/>
+          </a:effectRef>
+          <a:fontRef idx="minor">
+            <a:schemeClr val="tx1"/>
+          </a:fontRef>
+        </p:style>
+      </p:cxnSp>
+      <p:sp>
+        <p:nvSpPr>
+          <p:cNvPr id="49" name="TextBox 48">
+            <a:extLst>
+              <a:ext uri="{FF2B5EF4-FFF2-40B4-BE49-F238E27FC236}">
+                <a16:creationId xmlns:a16="http://schemas.microsoft.com/office/drawing/2014/main" id="{9E8C6D67-9BD5-499C-9959-39F1EF0D1AC1}"/>
+              </a:ext>
+            </a:extLst>
+          </p:cNvPr>
+          <p:cNvSpPr txBox="1"/>
+          <p:nvPr/>
+        </p:nvSpPr>
+        <p:spPr>
+          <a:xfrm>
+            <a:off x="5082871" y="2104191"/>
+            <a:ext cx="367408" cy="738664"/>
+          </a:xfrm>
+          <a:prstGeom prst="rect">
+            <a:avLst/>
+          </a:prstGeom>
+          <a:noFill/>
+        </p:spPr>
+        <p:txBody>
+          <a:bodyPr wrap="none" rtlCol="0">
+            <a:spAutoFit/>
+          </a:bodyPr>
+          <a:lstStyle/>
+          <a:p>
+            <a:pPr algn="ctr"/>
+            <a:r>
+              <a:rPr lang="en-US" sz="1400" dirty="0"/>
+              <a:t>Q</a:t>
+            </a:r>
+          </a:p>
+          <a:p>
+            <a:pPr algn="ctr"/>
+            <a:r>
+              <a:rPr lang="en-US" sz="1400" dirty="0"/>
+              <a:t>/</a:t>
+            </a:r>
+          </a:p>
+          <a:p>
+            <a:pPr algn="ctr"/>
+            <a:r>
+              <a:rPr lang="en-US" sz="1400" dirty="0"/>
+              <a:t>16</a:t>
+            </a:r>
+          </a:p>
+        </p:txBody>
+      </p:sp>
+      <p:sp>
+        <p:nvSpPr>
+          <p:cNvPr id="50" name="Rectangle 49">
+            <a:extLst>
+              <a:ext uri="{FF2B5EF4-FFF2-40B4-BE49-F238E27FC236}">
+                <a16:creationId xmlns:a16="http://schemas.microsoft.com/office/drawing/2014/main" id="{39DE332D-400C-4B39-9761-BBB1B05BB22A}"/>
+              </a:ext>
+            </a:extLst>
+          </p:cNvPr>
+          <p:cNvSpPr/>
+          <p:nvPr/>
+        </p:nvSpPr>
+        <p:spPr>
+          <a:xfrm>
+            <a:off x="6114781" y="1067357"/>
+            <a:ext cx="1155700" cy="783012"/>
+          </a:xfrm>
+          <a:prstGeom prst="rect">
+            <a:avLst/>
+          </a:prstGeom>
+          <a:noFill/>
+          <a:ln>
+            <a:solidFill>
+              <a:schemeClr val="tx1"/>
+            </a:solidFill>
+          </a:ln>
+        </p:spPr>
+        <p:style>
+          <a:lnRef idx="2">
+            <a:schemeClr val="accent1">
+              <a:shade val="50000"/>
+            </a:schemeClr>
+          </a:lnRef>
+          <a:fillRef idx="1">
+            <a:schemeClr val="accent1"/>
+          </a:fillRef>
+          <a:effectRef idx="0">
+            <a:schemeClr val="accent1"/>
+          </a:effectRef>
+          <a:fontRef idx="minor">
+            <a:schemeClr val="lt1"/>
+          </a:fontRef>
+        </p:style>
+        <p:txBody>
+          <a:bodyPr rtlCol="0" anchor="ctr"/>
+          <a:lstStyle/>
+          <a:p>
+            <a:pPr algn="ctr"/>
+            <a:endParaRPr lang="en-US">
+              <a:ln>
+                <a:solidFill>
+                  <a:sysClr val="windowText" lastClr="000000"/>
+                </a:solidFill>
+              </a:ln>
+              <a:solidFill>
+                <a:sysClr val="windowText" lastClr="000000"/>
+              </a:solidFill>
+            </a:endParaRPr>
+          </a:p>
+        </p:txBody>
+      </p:sp>
+      <p:sp>
+        <p:nvSpPr>
+          <p:cNvPr id="51" name="Rectangle 50">
+            <a:extLst>
+              <a:ext uri="{FF2B5EF4-FFF2-40B4-BE49-F238E27FC236}">
+                <a16:creationId xmlns:a16="http://schemas.microsoft.com/office/drawing/2014/main" id="{E43ADF3C-D608-47E2-9CA5-76F77E3AE635}"/>
+              </a:ext>
+            </a:extLst>
+          </p:cNvPr>
+          <p:cNvSpPr/>
+          <p:nvPr/>
+        </p:nvSpPr>
+        <p:spPr>
+          <a:xfrm>
+            <a:off x="6096000" y="2126644"/>
+            <a:ext cx="1155700" cy="783012"/>
+          </a:xfrm>
+          <a:prstGeom prst="rect">
+            <a:avLst/>
+          </a:prstGeom>
+          <a:noFill/>
+          <a:ln>
+            <a:solidFill>
+              <a:schemeClr val="tx1"/>
+            </a:solidFill>
+          </a:ln>
+        </p:spPr>
+        <p:style>
+          <a:lnRef idx="2">
+            <a:schemeClr val="accent1">
+              <a:shade val="50000"/>
+            </a:schemeClr>
+          </a:lnRef>
+          <a:fillRef idx="1">
+            <a:schemeClr val="accent1"/>
+          </a:fillRef>
+          <a:effectRef idx="0">
+            <a:schemeClr val="accent1"/>
+          </a:effectRef>
+          <a:fontRef idx="minor">
+            <a:schemeClr val="lt1"/>
+          </a:fontRef>
+        </p:style>
+        <p:txBody>
+          <a:bodyPr rtlCol="0" anchor="ctr"/>
+          <a:lstStyle/>
+          <a:p>
+            <a:pPr algn="ctr"/>
+            <a:endParaRPr lang="en-US">
+              <a:ln>
+                <a:solidFill>
+                  <a:sysClr val="windowText" lastClr="000000"/>
+                </a:solidFill>
+              </a:ln>
+              <a:solidFill>
+                <a:sysClr val="windowText" lastClr="000000"/>
+              </a:solidFill>
+            </a:endParaRPr>
+          </a:p>
+        </p:txBody>
+      </p:sp>
+      <p:sp>
+        <p:nvSpPr>
+          <p:cNvPr id="52" name="TextBox 51">
+            <a:extLst>
+              <a:ext uri="{FF2B5EF4-FFF2-40B4-BE49-F238E27FC236}">
+                <a16:creationId xmlns:a16="http://schemas.microsoft.com/office/drawing/2014/main" id="{957AE0D6-C141-4022-9828-D9C43582F631}"/>
+              </a:ext>
+            </a:extLst>
+          </p:cNvPr>
+          <p:cNvSpPr txBox="1"/>
+          <p:nvPr/>
+        </p:nvSpPr>
+        <p:spPr>
+          <a:xfrm>
+            <a:off x="6279991" y="1290934"/>
+            <a:ext cx="825547" cy="307777"/>
+          </a:xfrm>
+          <a:prstGeom prst="rect">
+            <a:avLst/>
+          </a:prstGeom>
+          <a:noFill/>
+        </p:spPr>
+        <p:txBody>
+          <a:bodyPr wrap="none" rtlCol="0">
+            <a:spAutoFit/>
+          </a:bodyPr>
+          <a:lstStyle/>
+          <a:p>
+            <a:r>
+              <a:rPr lang="en-US" sz="1400" dirty="0"/>
+              <a:t>FIR Filter</a:t>
+            </a:r>
+          </a:p>
+        </p:txBody>
+      </p:sp>
+      <p:sp>
+        <p:nvSpPr>
+          <p:cNvPr id="53" name="TextBox 52">
+            <a:extLst>
+              <a:ext uri="{FF2B5EF4-FFF2-40B4-BE49-F238E27FC236}">
+                <a16:creationId xmlns:a16="http://schemas.microsoft.com/office/drawing/2014/main" id="{A1378058-92FC-4E51-90B9-ACE484DB9D16}"/>
+              </a:ext>
+            </a:extLst>
+          </p:cNvPr>
+          <p:cNvSpPr txBox="1"/>
+          <p:nvPr/>
+        </p:nvSpPr>
+        <p:spPr>
+          <a:xfrm>
+            <a:off x="6199389" y="2303957"/>
+            <a:ext cx="825547" cy="307777"/>
+          </a:xfrm>
+          <a:prstGeom prst="rect">
+            <a:avLst/>
+          </a:prstGeom>
+          <a:noFill/>
+        </p:spPr>
+        <p:txBody>
+          <a:bodyPr wrap="none" rtlCol="0">
+            <a:spAutoFit/>
+          </a:bodyPr>
+          <a:lstStyle/>
+          <a:p>
+            <a:r>
+              <a:rPr lang="en-US" sz="1400" dirty="0"/>
+              <a:t>FIR Filter</a:t>
+            </a:r>
+          </a:p>
+        </p:txBody>
+      </p:sp>
+      <p:cxnSp>
+        <p:nvCxnSpPr>
+          <p:cNvPr id="54" name="Straight Arrow Connector 53">
+            <a:extLst>
+              <a:ext uri="{FF2B5EF4-FFF2-40B4-BE49-F238E27FC236}">
+                <a16:creationId xmlns:a16="http://schemas.microsoft.com/office/drawing/2014/main" id="{0889F61A-753E-48FB-A3F5-FAE73AAC5BD2}"/>
+              </a:ext>
+            </a:extLst>
+          </p:cNvPr>
+          <p:cNvCxnSpPr/>
+          <p:nvPr/>
+        </p:nvCxnSpPr>
+        <p:spPr>
+          <a:xfrm>
+            <a:off x="7270481" y="1456162"/>
+            <a:ext cx="1231900" cy="0"/>
+          </a:xfrm>
+          <a:prstGeom prst="straightConnector1">
+            <a:avLst/>
+          </a:prstGeom>
+          <a:ln>
+            <a:solidFill>
+              <a:schemeClr val="tx1"/>
+            </a:solidFill>
+            <a:tailEnd type="triangle"/>
+          </a:ln>
+        </p:spPr>
+        <p:style>
+          <a:lnRef idx="1">
+            <a:schemeClr val="accent1"/>
+          </a:lnRef>
+          <a:fillRef idx="0">
+            <a:schemeClr val="accent1"/>
+          </a:fillRef>
+          <a:effectRef idx="0">
+            <a:schemeClr val="accent1"/>
+          </a:effectRef>
+          <a:fontRef idx="minor">
+            <a:schemeClr val="tx1"/>
+          </a:fontRef>
+        </p:style>
+      </p:cxnSp>
+      <p:sp>
+        <p:nvSpPr>
+          <p:cNvPr id="55" name="TextBox 54">
+            <a:extLst>
+              <a:ext uri="{FF2B5EF4-FFF2-40B4-BE49-F238E27FC236}">
+                <a16:creationId xmlns:a16="http://schemas.microsoft.com/office/drawing/2014/main" id="{2DB30609-A46F-4DD3-900B-B6B7D7BC4F0C}"/>
+              </a:ext>
+            </a:extLst>
+          </p:cNvPr>
+          <p:cNvSpPr txBox="1"/>
+          <p:nvPr/>
+        </p:nvSpPr>
+        <p:spPr>
+          <a:xfrm>
+            <a:off x="7461606" y="1100870"/>
+            <a:ext cx="367408" cy="738664"/>
+          </a:xfrm>
+          <a:prstGeom prst="rect">
+            <a:avLst/>
+          </a:prstGeom>
+          <a:noFill/>
+        </p:spPr>
+        <p:txBody>
+          <a:bodyPr wrap="none" rtlCol="0">
+            <a:spAutoFit/>
+          </a:bodyPr>
+          <a:lstStyle/>
+          <a:p>
+            <a:pPr algn="ctr"/>
+            <a:r>
+              <a:rPr lang="en-US" sz="1400" dirty="0"/>
+              <a:t>I</a:t>
+            </a:r>
+          </a:p>
+          <a:p>
+            <a:pPr algn="ctr"/>
+            <a:r>
+              <a:rPr lang="en-US" sz="1400" dirty="0"/>
+              <a:t>/</a:t>
+            </a:r>
+          </a:p>
+          <a:p>
+            <a:pPr algn="ctr"/>
+            <a:r>
+              <a:rPr lang="en-US" sz="1400" dirty="0"/>
+              <a:t>16</a:t>
+            </a:r>
+          </a:p>
+        </p:txBody>
+      </p:sp>
+      <p:cxnSp>
+        <p:nvCxnSpPr>
+          <p:cNvPr id="56" name="Straight Arrow Connector 55">
+            <a:extLst>
+              <a:ext uri="{FF2B5EF4-FFF2-40B4-BE49-F238E27FC236}">
+                <a16:creationId xmlns:a16="http://schemas.microsoft.com/office/drawing/2014/main" id="{A83901DC-4CFC-4FF3-946B-6F019CFCDCFA}"/>
+              </a:ext>
+            </a:extLst>
+          </p:cNvPr>
+          <p:cNvCxnSpPr/>
+          <p:nvPr/>
+        </p:nvCxnSpPr>
+        <p:spPr>
+          <a:xfrm>
+            <a:off x="7270214" y="2469185"/>
+            <a:ext cx="1231900" cy="0"/>
+          </a:xfrm>
+          <a:prstGeom prst="straightConnector1">
+            <a:avLst/>
+          </a:prstGeom>
+          <a:ln>
+            <a:solidFill>
+              <a:schemeClr val="tx1"/>
+            </a:solidFill>
+            <a:tailEnd type="triangle"/>
+          </a:ln>
+        </p:spPr>
+        <p:style>
+          <a:lnRef idx="1">
+            <a:schemeClr val="accent1"/>
+          </a:lnRef>
+          <a:fillRef idx="0">
+            <a:schemeClr val="accent1"/>
+          </a:fillRef>
+          <a:effectRef idx="0">
+            <a:schemeClr val="accent1"/>
+          </a:effectRef>
+          <a:fontRef idx="minor">
+            <a:schemeClr val="tx1"/>
+          </a:fontRef>
+        </p:style>
+      </p:cxnSp>
+      <p:sp>
+        <p:nvSpPr>
+          <p:cNvPr id="57" name="TextBox 56">
+            <a:extLst>
+              <a:ext uri="{FF2B5EF4-FFF2-40B4-BE49-F238E27FC236}">
+                <a16:creationId xmlns:a16="http://schemas.microsoft.com/office/drawing/2014/main" id="{CA242ABA-1027-463F-A9C0-A190821B97C5}"/>
+              </a:ext>
+            </a:extLst>
+          </p:cNvPr>
+          <p:cNvSpPr txBox="1"/>
+          <p:nvPr/>
+        </p:nvSpPr>
+        <p:spPr>
+          <a:xfrm>
+            <a:off x="7470204" y="2115530"/>
+            <a:ext cx="367408" cy="738664"/>
+          </a:xfrm>
+          <a:prstGeom prst="rect">
+            <a:avLst/>
+          </a:prstGeom>
+          <a:noFill/>
+        </p:spPr>
+        <p:txBody>
+          <a:bodyPr wrap="none" rtlCol="0">
+            <a:spAutoFit/>
+          </a:bodyPr>
+          <a:lstStyle/>
+          <a:p>
+            <a:pPr algn="ctr"/>
+            <a:r>
+              <a:rPr lang="en-US" sz="1400" dirty="0"/>
+              <a:t>Q</a:t>
+            </a:r>
+          </a:p>
+          <a:p>
+            <a:pPr algn="ctr"/>
+            <a:r>
+              <a:rPr lang="en-US" sz="1400" dirty="0"/>
+              <a:t>/</a:t>
+            </a:r>
+          </a:p>
+          <a:p>
+            <a:pPr algn="ctr"/>
+            <a:r>
+              <a:rPr lang="en-US" sz="1400" dirty="0"/>
+              <a:t>16</a:t>
+            </a:r>
+          </a:p>
+        </p:txBody>
+      </p:sp>
+      <p:sp>
+        <p:nvSpPr>
+          <p:cNvPr id="58" name="Rectangle 57">
+            <a:extLst>
+              <a:ext uri="{FF2B5EF4-FFF2-40B4-BE49-F238E27FC236}">
+                <a16:creationId xmlns:a16="http://schemas.microsoft.com/office/drawing/2014/main" id="{0E2F7BB7-0E65-4A5C-893F-875DEB611AAA}"/>
+              </a:ext>
+            </a:extLst>
+          </p:cNvPr>
+          <p:cNvSpPr/>
+          <p:nvPr/>
+        </p:nvSpPr>
+        <p:spPr>
+          <a:xfrm>
+            <a:off x="8502114" y="1067357"/>
+            <a:ext cx="1155700" cy="783012"/>
+          </a:xfrm>
+          <a:prstGeom prst="rect">
+            <a:avLst/>
+          </a:prstGeom>
+          <a:noFill/>
+          <a:ln>
+            <a:solidFill>
+              <a:schemeClr val="tx1"/>
+            </a:solidFill>
+          </a:ln>
+        </p:spPr>
+        <p:style>
+          <a:lnRef idx="2">
+            <a:schemeClr val="accent1">
+              <a:shade val="50000"/>
+            </a:schemeClr>
+          </a:lnRef>
+          <a:fillRef idx="1">
+            <a:schemeClr val="accent1"/>
+          </a:fillRef>
+          <a:effectRef idx="0">
+            <a:schemeClr val="accent1"/>
+          </a:effectRef>
+          <a:fontRef idx="minor">
+            <a:schemeClr val="lt1"/>
+          </a:fontRef>
+        </p:style>
+        <p:txBody>
+          <a:bodyPr rtlCol="0" anchor="ctr"/>
+          <a:lstStyle/>
+          <a:p>
+            <a:pPr algn="ctr"/>
+            <a:endParaRPr lang="en-US">
+              <a:ln>
+                <a:solidFill>
+                  <a:sysClr val="windowText" lastClr="000000"/>
+                </a:solidFill>
+              </a:ln>
+              <a:solidFill>
+                <a:sysClr val="windowText" lastClr="000000"/>
+              </a:solidFill>
+            </a:endParaRPr>
+          </a:p>
+        </p:txBody>
+      </p:sp>
+      <p:sp>
+        <p:nvSpPr>
+          <p:cNvPr id="59" name="Rectangle 58">
+            <a:extLst>
+              <a:ext uri="{FF2B5EF4-FFF2-40B4-BE49-F238E27FC236}">
+                <a16:creationId xmlns:a16="http://schemas.microsoft.com/office/drawing/2014/main" id="{FC579C57-EF5B-4E71-8F17-E55768D7A4EF}"/>
+              </a:ext>
+            </a:extLst>
+          </p:cNvPr>
+          <p:cNvSpPr/>
+          <p:nvPr/>
+        </p:nvSpPr>
+        <p:spPr>
+          <a:xfrm>
+            <a:off x="8483333" y="2126644"/>
+            <a:ext cx="1155700" cy="783012"/>
+          </a:xfrm>
+          <a:prstGeom prst="rect">
+            <a:avLst/>
+          </a:prstGeom>
+          <a:noFill/>
+          <a:ln>
+            <a:solidFill>
+              <a:schemeClr val="tx1"/>
+            </a:solidFill>
+          </a:ln>
+        </p:spPr>
+        <p:style>
+          <a:lnRef idx="2">
+            <a:schemeClr val="accent1">
+              <a:shade val="50000"/>
+            </a:schemeClr>
+          </a:lnRef>
+          <a:fillRef idx="1">
+            <a:schemeClr val="accent1"/>
+          </a:fillRef>
+          <a:effectRef idx="0">
+            <a:schemeClr val="accent1"/>
+          </a:effectRef>
+          <a:fontRef idx="minor">
+            <a:schemeClr val="lt1"/>
+          </a:fontRef>
+        </p:style>
+        <p:txBody>
+          <a:bodyPr rtlCol="0" anchor="ctr"/>
+          <a:lstStyle/>
+          <a:p>
+            <a:pPr algn="ctr"/>
+            <a:endParaRPr lang="en-US">
+              <a:ln>
+                <a:solidFill>
+                  <a:sysClr val="windowText" lastClr="000000"/>
+                </a:solidFill>
+              </a:ln>
+              <a:solidFill>
+                <a:sysClr val="windowText" lastClr="000000"/>
+              </a:solidFill>
+            </a:endParaRPr>
+          </a:p>
+        </p:txBody>
+      </p:sp>
+      <p:sp>
+        <p:nvSpPr>
+          <p:cNvPr id="60" name="TextBox 59">
+            <a:extLst>
+              <a:ext uri="{FF2B5EF4-FFF2-40B4-BE49-F238E27FC236}">
+                <a16:creationId xmlns:a16="http://schemas.microsoft.com/office/drawing/2014/main" id="{6CA19392-9769-44BF-B525-211D55F70515}"/>
+              </a:ext>
+            </a:extLst>
+          </p:cNvPr>
+          <p:cNvSpPr txBox="1"/>
+          <p:nvPr/>
+        </p:nvSpPr>
+        <p:spPr>
+          <a:xfrm>
+            <a:off x="8667324" y="1290934"/>
+            <a:ext cx="878382" cy="523220"/>
+          </a:xfrm>
+          <a:prstGeom prst="rect">
+            <a:avLst/>
+          </a:prstGeom>
+          <a:noFill/>
+        </p:spPr>
+        <p:txBody>
+          <a:bodyPr wrap="none" rtlCol="0">
+            <a:spAutoFit/>
+          </a:bodyPr>
+          <a:lstStyle/>
+          <a:p>
+            <a:r>
+              <a:rPr lang="en-US" sz="1400" dirty="0"/>
+              <a:t>Decimate</a:t>
+            </a:r>
+          </a:p>
+          <a:p>
+            <a:r>
+              <a:rPr lang="en-US" sz="1400" dirty="0"/>
+              <a:t>By 10</a:t>
+            </a:r>
+          </a:p>
+        </p:txBody>
+      </p:sp>
+      <p:sp>
+        <p:nvSpPr>
+          <p:cNvPr id="61" name="TextBox 60">
+            <a:extLst>
+              <a:ext uri="{FF2B5EF4-FFF2-40B4-BE49-F238E27FC236}">
+                <a16:creationId xmlns:a16="http://schemas.microsoft.com/office/drawing/2014/main" id="{47B32EB9-7D23-4A3D-A02F-091393312A16}"/>
+              </a:ext>
+            </a:extLst>
+          </p:cNvPr>
+          <p:cNvSpPr txBox="1"/>
+          <p:nvPr/>
+        </p:nvSpPr>
+        <p:spPr>
+          <a:xfrm>
+            <a:off x="8586722" y="2303957"/>
+            <a:ext cx="878382" cy="523220"/>
+          </a:xfrm>
+          <a:prstGeom prst="rect">
+            <a:avLst/>
+          </a:prstGeom>
+          <a:noFill/>
+        </p:spPr>
+        <p:txBody>
+          <a:bodyPr wrap="none" rtlCol="0">
+            <a:spAutoFit/>
+          </a:bodyPr>
+          <a:lstStyle/>
+          <a:p>
+            <a:r>
+              <a:rPr lang="en-US" sz="1400" dirty="0"/>
+              <a:t>Decimate</a:t>
+            </a:r>
+          </a:p>
+          <a:p>
+            <a:r>
+              <a:rPr lang="en-US" sz="1400" dirty="0"/>
+              <a:t>By 10</a:t>
+            </a:r>
+          </a:p>
+        </p:txBody>
+      </p:sp>
+      <p:cxnSp>
+        <p:nvCxnSpPr>
+          <p:cNvPr id="62" name="Straight Arrow Connector 61">
+            <a:extLst>
+              <a:ext uri="{FF2B5EF4-FFF2-40B4-BE49-F238E27FC236}">
+                <a16:creationId xmlns:a16="http://schemas.microsoft.com/office/drawing/2014/main" id="{B2A86517-4DA8-4402-AC89-79A771EA73F6}"/>
+              </a:ext>
+            </a:extLst>
+          </p:cNvPr>
+          <p:cNvCxnSpPr/>
+          <p:nvPr/>
+        </p:nvCxnSpPr>
+        <p:spPr>
+          <a:xfrm>
+            <a:off x="9658081" y="1456162"/>
+            <a:ext cx="1231900" cy="0"/>
+          </a:xfrm>
+          <a:prstGeom prst="straightConnector1">
+            <a:avLst/>
+          </a:prstGeom>
+          <a:ln>
+            <a:solidFill>
+              <a:schemeClr val="tx1"/>
+            </a:solidFill>
+            <a:tailEnd type="triangle"/>
+          </a:ln>
+        </p:spPr>
+        <p:style>
+          <a:lnRef idx="1">
+            <a:schemeClr val="accent1"/>
+          </a:lnRef>
+          <a:fillRef idx="0">
+            <a:schemeClr val="accent1"/>
+          </a:fillRef>
+          <a:effectRef idx="0">
+            <a:schemeClr val="accent1"/>
+          </a:effectRef>
+          <a:fontRef idx="minor">
+            <a:schemeClr val="tx1"/>
+          </a:fontRef>
+        </p:style>
+      </p:cxnSp>
+      <p:sp>
+        <p:nvSpPr>
+          <p:cNvPr id="63" name="TextBox 62">
+            <a:extLst>
+              <a:ext uri="{FF2B5EF4-FFF2-40B4-BE49-F238E27FC236}">
+                <a16:creationId xmlns:a16="http://schemas.microsoft.com/office/drawing/2014/main" id="{FC298605-299B-4D1D-992E-3A435C08E049}"/>
+              </a:ext>
+            </a:extLst>
+          </p:cNvPr>
+          <p:cNvSpPr txBox="1"/>
+          <p:nvPr/>
+        </p:nvSpPr>
+        <p:spPr>
+          <a:xfrm>
+            <a:off x="9849206" y="1100870"/>
+            <a:ext cx="367408" cy="738664"/>
+          </a:xfrm>
+          <a:prstGeom prst="rect">
+            <a:avLst/>
+          </a:prstGeom>
+          <a:noFill/>
+        </p:spPr>
+        <p:txBody>
+          <a:bodyPr wrap="none" rtlCol="0">
+            <a:spAutoFit/>
+          </a:bodyPr>
+          <a:lstStyle/>
+          <a:p>
+            <a:pPr algn="ctr"/>
+            <a:r>
+              <a:rPr lang="en-US" sz="1400" dirty="0"/>
+              <a:t>I</a:t>
+            </a:r>
+          </a:p>
+          <a:p>
+            <a:pPr algn="ctr"/>
+            <a:r>
+              <a:rPr lang="en-US" sz="1400" dirty="0"/>
+              <a:t>/</a:t>
+            </a:r>
+          </a:p>
+          <a:p>
+            <a:pPr algn="ctr"/>
+            <a:r>
+              <a:rPr lang="en-US" sz="1400" dirty="0"/>
+              <a:t>16</a:t>
+            </a:r>
+          </a:p>
+        </p:txBody>
+      </p:sp>
+      <p:cxnSp>
+        <p:nvCxnSpPr>
+          <p:cNvPr id="64" name="Straight Arrow Connector 63">
+            <a:extLst>
+              <a:ext uri="{FF2B5EF4-FFF2-40B4-BE49-F238E27FC236}">
+                <a16:creationId xmlns:a16="http://schemas.microsoft.com/office/drawing/2014/main" id="{492A919E-E77D-4D79-96E3-43216FBC4E63}"/>
+              </a:ext>
+            </a:extLst>
+          </p:cNvPr>
+          <p:cNvCxnSpPr/>
+          <p:nvPr/>
+        </p:nvCxnSpPr>
+        <p:spPr>
+          <a:xfrm>
+            <a:off x="9657814" y="2469185"/>
+            <a:ext cx="1231900" cy="0"/>
+          </a:xfrm>
+          <a:prstGeom prst="straightConnector1">
+            <a:avLst/>
+          </a:prstGeom>
+          <a:ln>
+            <a:solidFill>
+              <a:schemeClr val="tx1"/>
+            </a:solidFill>
+            <a:tailEnd type="triangle"/>
+          </a:ln>
+        </p:spPr>
+        <p:style>
+          <a:lnRef idx="1">
+            <a:schemeClr val="accent1"/>
+          </a:lnRef>
+          <a:fillRef idx="0">
+            <a:schemeClr val="accent1"/>
+          </a:fillRef>
+          <a:effectRef idx="0">
+            <a:schemeClr val="accent1"/>
+          </a:effectRef>
+          <a:fontRef idx="minor">
+            <a:schemeClr val="tx1"/>
+          </a:fontRef>
+        </p:style>
+      </p:cxnSp>
+      <p:sp>
+        <p:nvSpPr>
+          <p:cNvPr id="65" name="TextBox 64">
+            <a:extLst>
+              <a:ext uri="{FF2B5EF4-FFF2-40B4-BE49-F238E27FC236}">
+                <a16:creationId xmlns:a16="http://schemas.microsoft.com/office/drawing/2014/main" id="{719AB29E-F6A0-4AFF-A96B-4067C2B0607D}"/>
+              </a:ext>
+            </a:extLst>
+          </p:cNvPr>
+          <p:cNvSpPr txBox="1"/>
+          <p:nvPr/>
+        </p:nvSpPr>
+        <p:spPr>
+          <a:xfrm>
+            <a:off x="9857804" y="2115530"/>
+            <a:ext cx="367408" cy="738664"/>
+          </a:xfrm>
+          <a:prstGeom prst="rect">
+            <a:avLst/>
+          </a:prstGeom>
+          <a:noFill/>
+        </p:spPr>
+        <p:txBody>
+          <a:bodyPr wrap="none" rtlCol="0">
+            <a:spAutoFit/>
+          </a:bodyPr>
+          <a:lstStyle/>
+          <a:p>
+            <a:pPr algn="ctr"/>
+            <a:r>
+              <a:rPr lang="en-US" sz="1400" dirty="0"/>
+              <a:t>Q</a:t>
+            </a:r>
+          </a:p>
+          <a:p>
+            <a:pPr algn="ctr"/>
+            <a:r>
+              <a:rPr lang="en-US" sz="1400" dirty="0"/>
+              <a:t>/</a:t>
+            </a:r>
+          </a:p>
+          <a:p>
+            <a:pPr algn="ctr"/>
+            <a:r>
+              <a:rPr lang="en-US" sz="1400" dirty="0"/>
+              <a:t>16</a:t>
+            </a:r>
+          </a:p>
+        </p:txBody>
+      </p:sp>
+      <p:sp>
+        <p:nvSpPr>
+          <p:cNvPr id="66" name="Freeform: Shape 65">
+            <a:extLst>
+              <a:ext uri="{FF2B5EF4-FFF2-40B4-BE49-F238E27FC236}">
+                <a16:creationId xmlns:a16="http://schemas.microsoft.com/office/drawing/2014/main" id="{B9AB6E62-2FF4-4250-B3DC-65AACAC83BF7}"/>
+              </a:ext>
+            </a:extLst>
+          </p:cNvPr>
+          <p:cNvSpPr/>
+          <p:nvPr/>
+        </p:nvSpPr>
+        <p:spPr>
+          <a:xfrm>
+            <a:off x="10172700" y="800100"/>
+            <a:ext cx="444500" cy="647700"/>
+          </a:xfrm>
+          <a:custGeom>
+            <a:avLst/>
+            <a:gdLst>
+              <a:gd name="connsiteX0" fmla="*/ 0 w 444500"/>
+              <a:gd name="connsiteY0" fmla="*/ 647700 h 647700"/>
+              <a:gd name="connsiteX1" fmla="*/ 101600 w 444500"/>
+              <a:gd name="connsiteY1" fmla="*/ 622300 h 647700"/>
+              <a:gd name="connsiteX2" fmla="*/ 139700 w 444500"/>
+              <a:gd name="connsiteY2" fmla="*/ 596900 h 647700"/>
+              <a:gd name="connsiteX3" fmla="*/ 88900 w 444500"/>
+              <a:gd name="connsiteY3" fmla="*/ 292100 h 647700"/>
+              <a:gd name="connsiteX4" fmla="*/ 63500 w 444500"/>
+              <a:gd name="connsiteY4" fmla="*/ 254000 h 647700"/>
+              <a:gd name="connsiteX5" fmla="*/ 50800 w 444500"/>
+              <a:gd name="connsiteY5" fmla="*/ 203200 h 647700"/>
+              <a:gd name="connsiteX6" fmla="*/ 12700 w 444500"/>
+              <a:gd name="connsiteY6" fmla="*/ 152400 h 647700"/>
+              <a:gd name="connsiteX7" fmla="*/ 76200 w 444500"/>
+              <a:gd name="connsiteY7" fmla="*/ 12700 h 647700"/>
+              <a:gd name="connsiteX8" fmla="*/ 177800 w 444500"/>
+              <a:gd name="connsiteY8" fmla="*/ 0 h 647700"/>
+              <a:gd name="connsiteX9" fmla="*/ 279400 w 444500"/>
+              <a:gd name="connsiteY9" fmla="*/ 12700 h 647700"/>
+              <a:gd name="connsiteX10" fmla="*/ 317500 w 444500"/>
+              <a:gd name="connsiteY10" fmla="*/ 25400 h 647700"/>
+              <a:gd name="connsiteX11" fmla="*/ 444500 w 444500"/>
+              <a:gd name="connsiteY11" fmla="*/ 0 h 647700"/>
+            </a:gdLst>
+            <a:ahLst/>
+            <a:cxnLst>
+              <a:cxn ang="0">
+                <a:pos x="connsiteX0" y="connsiteY0"/>
+              </a:cxn>
+              <a:cxn ang="0">
+                <a:pos x="connsiteX1" y="connsiteY1"/>
+              </a:cxn>
+              <a:cxn ang="0">
+                <a:pos x="connsiteX2" y="connsiteY2"/>
+              </a:cxn>
+              <a:cxn ang="0">
+                <a:pos x="connsiteX3" y="connsiteY3"/>
+              </a:cxn>
+              <a:cxn ang="0">
+                <a:pos x="connsiteX4" y="connsiteY4"/>
+              </a:cxn>
+              <a:cxn ang="0">
+                <a:pos x="connsiteX5" y="connsiteY5"/>
+              </a:cxn>
+              <a:cxn ang="0">
+                <a:pos x="connsiteX6" y="connsiteY6"/>
+              </a:cxn>
+              <a:cxn ang="0">
+                <a:pos x="connsiteX7" y="connsiteY7"/>
+              </a:cxn>
+              <a:cxn ang="0">
+                <a:pos x="connsiteX8" y="connsiteY8"/>
+              </a:cxn>
+              <a:cxn ang="0">
+                <a:pos x="connsiteX9" y="connsiteY9"/>
+              </a:cxn>
+              <a:cxn ang="0">
+                <a:pos x="connsiteX10" y="connsiteY10"/>
+              </a:cxn>
+              <a:cxn ang="0">
+                <a:pos x="connsiteX11" y="connsiteY11"/>
+              </a:cxn>
+            </a:cxnLst>
+            <a:rect l="l" t="t" r="r" b="b"/>
+            <a:pathLst>
+              <a:path w="444500" h="647700">
+                <a:moveTo>
+                  <a:pt x="0" y="647700"/>
+                </a:moveTo>
+                <a:cubicBezTo>
+                  <a:pt x="33867" y="639233"/>
+                  <a:pt x="68793" y="634230"/>
+                  <a:pt x="101600" y="622300"/>
+                </a:cubicBezTo>
+                <a:cubicBezTo>
+                  <a:pt x="115945" y="617084"/>
+                  <a:pt x="139007" y="612148"/>
+                  <a:pt x="139700" y="596900"/>
+                </a:cubicBezTo>
+                <a:cubicBezTo>
+                  <a:pt x="146176" y="454437"/>
+                  <a:pt x="144842" y="389998"/>
+                  <a:pt x="88900" y="292100"/>
+                </a:cubicBezTo>
+                <a:cubicBezTo>
+                  <a:pt x="81327" y="278848"/>
+                  <a:pt x="71967" y="266700"/>
+                  <a:pt x="63500" y="254000"/>
+                </a:cubicBezTo>
+                <a:cubicBezTo>
+                  <a:pt x="59267" y="237067"/>
+                  <a:pt x="58606" y="218812"/>
+                  <a:pt x="50800" y="203200"/>
+                </a:cubicBezTo>
+                <a:cubicBezTo>
+                  <a:pt x="41334" y="184268"/>
+                  <a:pt x="14323" y="173504"/>
+                  <a:pt x="12700" y="152400"/>
+                </a:cubicBezTo>
+                <a:cubicBezTo>
+                  <a:pt x="8912" y="103154"/>
+                  <a:pt x="18335" y="28481"/>
+                  <a:pt x="76200" y="12700"/>
+                </a:cubicBezTo>
+                <a:cubicBezTo>
+                  <a:pt x="109128" y="3720"/>
+                  <a:pt x="143933" y="4233"/>
+                  <a:pt x="177800" y="0"/>
+                </a:cubicBezTo>
+                <a:cubicBezTo>
+                  <a:pt x="211667" y="4233"/>
+                  <a:pt x="245820" y="6595"/>
+                  <a:pt x="279400" y="12700"/>
+                </a:cubicBezTo>
+                <a:cubicBezTo>
+                  <a:pt x="292571" y="15095"/>
+                  <a:pt x="304113" y="25400"/>
+                  <a:pt x="317500" y="25400"/>
+                </a:cubicBezTo>
+                <a:cubicBezTo>
+                  <a:pt x="424389" y="25400"/>
+                  <a:pt x="406780" y="37720"/>
+                  <a:pt x="444500" y="0"/>
+                </a:cubicBezTo>
+              </a:path>
+            </a:pathLst>
+          </a:custGeom>
+          <a:noFill/>
+        </p:spPr>
+        <p:style>
+          <a:lnRef idx="2">
+            <a:schemeClr val="accent1">
+              <a:shade val="50000"/>
+            </a:schemeClr>
+          </a:lnRef>
+          <a:fillRef idx="1">
+            <a:schemeClr val="accent1"/>
+          </a:fillRef>
+          <a:effectRef idx="0">
+            <a:schemeClr val="accent1"/>
+          </a:effectRef>
+          <a:fontRef idx="minor">
+            <a:schemeClr val="lt1"/>
+          </a:fontRef>
+        </p:style>
+        <p:txBody>
+          <a:bodyPr rtlCol="0" anchor="ctr"/>
+          <a:lstStyle/>
+          <a:p>
+            <a:pPr algn="ctr"/>
+            <a:endParaRPr lang="en-US"/>
+          </a:p>
+        </p:txBody>
+      </p:sp>
+      <p:sp>
+        <p:nvSpPr>
+          <p:cNvPr id="67" name="TextBox 66">
+            <a:extLst>
+              <a:ext uri="{FF2B5EF4-FFF2-40B4-BE49-F238E27FC236}">
+                <a16:creationId xmlns:a16="http://schemas.microsoft.com/office/drawing/2014/main" id="{9B9C9997-27B8-4405-86D9-542F8161CD33}"/>
+              </a:ext>
+            </a:extLst>
+          </p:cNvPr>
+          <p:cNvSpPr txBox="1"/>
+          <p:nvPr/>
+        </p:nvSpPr>
+        <p:spPr>
+          <a:xfrm>
+            <a:off x="10617200" y="637849"/>
+            <a:ext cx="1026115" cy="307777"/>
+          </a:xfrm>
+          <a:prstGeom prst="rect">
+            <a:avLst/>
+          </a:prstGeom>
+          <a:noFill/>
+        </p:spPr>
+        <p:txBody>
+          <a:bodyPr wrap="none" rtlCol="0">
+            <a:spAutoFit/>
+          </a:bodyPr>
+          <a:lstStyle/>
+          <a:p>
+            <a:r>
+              <a:rPr lang="en-US" sz="1400" dirty="0"/>
+              <a:t>MSB to LED</a:t>
+            </a:r>
+          </a:p>
+        </p:txBody>
+      </p:sp>
+      <p:sp>
+        <p:nvSpPr>
+          <p:cNvPr id="68" name="Freeform: Shape 67">
+            <a:extLst>
+              <a:ext uri="{FF2B5EF4-FFF2-40B4-BE49-F238E27FC236}">
+                <a16:creationId xmlns:a16="http://schemas.microsoft.com/office/drawing/2014/main" id="{70B3E3BA-3BA9-4E95-8CCA-782A1BDA0BF9}"/>
+              </a:ext>
+            </a:extLst>
+          </p:cNvPr>
+          <p:cNvSpPr/>
+          <p:nvPr/>
+        </p:nvSpPr>
+        <p:spPr>
+          <a:xfrm>
+            <a:off x="10528300" y="749300"/>
+            <a:ext cx="103768" cy="165100"/>
+          </a:xfrm>
+          <a:custGeom>
+            <a:avLst/>
+            <a:gdLst>
+              <a:gd name="connsiteX0" fmla="*/ 0 w 103768"/>
+              <a:gd name="connsiteY0" fmla="*/ 0 h 165100"/>
+              <a:gd name="connsiteX1" fmla="*/ 63500 w 103768"/>
+              <a:gd name="connsiteY1" fmla="*/ 38100 h 165100"/>
+              <a:gd name="connsiteX2" fmla="*/ 101600 w 103768"/>
+              <a:gd name="connsiteY2" fmla="*/ 50800 h 165100"/>
+              <a:gd name="connsiteX3" fmla="*/ 63500 w 103768"/>
+              <a:gd name="connsiteY3" fmla="*/ 165100 h 165100"/>
+            </a:gdLst>
+            <a:ahLst/>
+            <a:cxnLst>
+              <a:cxn ang="0">
+                <a:pos x="connsiteX0" y="connsiteY0"/>
+              </a:cxn>
+              <a:cxn ang="0">
+                <a:pos x="connsiteX1" y="connsiteY1"/>
+              </a:cxn>
+              <a:cxn ang="0">
+                <a:pos x="connsiteX2" y="connsiteY2"/>
+              </a:cxn>
+              <a:cxn ang="0">
+                <a:pos x="connsiteX3" y="connsiteY3"/>
+              </a:cxn>
+            </a:cxnLst>
+            <a:rect l="l" t="t" r="r" b="b"/>
+            <a:pathLst>
+              <a:path w="103768" h="165100">
+                <a:moveTo>
+                  <a:pt x="0" y="0"/>
+                </a:moveTo>
+                <a:cubicBezTo>
+                  <a:pt x="21167" y="12700"/>
+                  <a:pt x="41422" y="27061"/>
+                  <a:pt x="63500" y="38100"/>
+                </a:cubicBezTo>
+                <a:cubicBezTo>
+                  <a:pt x="75474" y="44087"/>
+                  <a:pt x="100122" y="37495"/>
+                  <a:pt x="101600" y="50800"/>
+                </a:cubicBezTo>
+                <a:cubicBezTo>
+                  <a:pt x="109656" y="123300"/>
+                  <a:pt x="94898" y="133702"/>
+                  <a:pt x="63500" y="165100"/>
+                </a:cubicBezTo>
+              </a:path>
+            </a:pathLst>
+          </a:custGeom>
+          <a:noFill/>
+        </p:spPr>
+        <p:style>
+          <a:lnRef idx="2">
+            <a:schemeClr val="accent1">
+              <a:shade val="50000"/>
+            </a:schemeClr>
+          </a:lnRef>
+          <a:fillRef idx="1">
+            <a:schemeClr val="accent1"/>
+          </a:fillRef>
+          <a:effectRef idx="0">
+            <a:schemeClr val="accent1"/>
+          </a:effectRef>
+          <a:fontRef idx="minor">
+            <a:schemeClr val="lt1"/>
+          </a:fontRef>
+        </p:style>
+        <p:txBody>
+          <a:bodyPr rtlCol="0" anchor="ctr"/>
+          <a:lstStyle/>
+          <a:p>
+            <a:pPr algn="ctr"/>
+            <a:endParaRPr lang="en-US"/>
+          </a:p>
+        </p:txBody>
+      </p:sp>
+      <p:sp>
+        <p:nvSpPr>
+          <p:cNvPr id="69" name="TextBox 68">
+            <a:extLst>
+              <a:ext uri="{FF2B5EF4-FFF2-40B4-BE49-F238E27FC236}">
+                <a16:creationId xmlns:a16="http://schemas.microsoft.com/office/drawing/2014/main" id="{B7AEA2AE-6F7A-4C80-A36C-251C28637B1B}"/>
+              </a:ext>
+            </a:extLst>
+          </p:cNvPr>
+          <p:cNvSpPr txBox="1"/>
+          <p:nvPr/>
+        </p:nvSpPr>
+        <p:spPr>
+          <a:xfrm>
+            <a:off x="9533612" y="3291593"/>
+            <a:ext cx="1015792" cy="307777"/>
+          </a:xfrm>
+          <a:prstGeom prst="rect">
+            <a:avLst/>
+          </a:prstGeom>
+          <a:noFill/>
+        </p:spPr>
+        <p:txBody>
+          <a:bodyPr wrap="none" rtlCol="0">
+            <a:spAutoFit/>
+          </a:bodyPr>
+          <a:lstStyle/>
+          <a:p>
+            <a:pPr algn="ctr"/>
+            <a:r>
+              <a:rPr lang="en-US" sz="1400" dirty="0"/>
+              <a:t>1/10 </a:t>
+            </a:r>
+            <a:r>
+              <a:rPr lang="en-US" sz="1400" dirty="0" err="1"/>
+              <a:t>Fclock</a:t>
+            </a:r>
+            <a:endParaRPr lang="en-US" sz="1400" dirty="0"/>
+          </a:p>
+        </p:txBody>
+      </p:sp>
+      <p:sp>
+        <p:nvSpPr>
+          <p:cNvPr id="70" name="Rectangle 69">
+            <a:extLst>
+              <a:ext uri="{FF2B5EF4-FFF2-40B4-BE49-F238E27FC236}">
+                <a16:creationId xmlns:a16="http://schemas.microsoft.com/office/drawing/2014/main" id="{240D1312-1FD5-4EED-95FE-4EE6A865EC51}"/>
+              </a:ext>
+            </a:extLst>
+          </p:cNvPr>
+          <p:cNvSpPr/>
+          <p:nvPr/>
+        </p:nvSpPr>
+        <p:spPr>
+          <a:xfrm>
+            <a:off x="8496855" y="3948345"/>
+            <a:ext cx="1155700" cy="402509"/>
+          </a:xfrm>
+          <a:prstGeom prst="rect">
+            <a:avLst/>
+          </a:prstGeom>
+          <a:noFill/>
+          <a:ln>
+            <a:solidFill>
+              <a:schemeClr val="tx1"/>
+            </a:solidFill>
+          </a:ln>
+        </p:spPr>
+        <p:style>
+          <a:lnRef idx="2">
+            <a:schemeClr val="accent1">
+              <a:shade val="50000"/>
+            </a:schemeClr>
+          </a:lnRef>
+          <a:fillRef idx="1">
+            <a:schemeClr val="accent1"/>
+          </a:fillRef>
+          <a:effectRef idx="0">
+            <a:schemeClr val="accent1"/>
+          </a:effectRef>
+          <a:fontRef idx="minor">
+            <a:schemeClr val="lt1"/>
+          </a:fontRef>
+        </p:style>
+        <p:txBody>
+          <a:bodyPr rtlCol="0" anchor="ctr"/>
+          <a:lstStyle/>
+          <a:p>
+            <a:pPr algn="ctr"/>
+            <a:endParaRPr lang="en-US">
+              <a:ln>
+                <a:solidFill>
+                  <a:sysClr val="windowText" lastClr="000000"/>
+                </a:solidFill>
+              </a:ln>
+              <a:solidFill>
+                <a:sysClr val="windowText" lastClr="000000"/>
+              </a:solidFill>
+            </a:endParaRPr>
+          </a:p>
+        </p:txBody>
+      </p:sp>
+      <p:sp>
+        <p:nvSpPr>
+          <p:cNvPr id="71" name="TextBox 70">
+            <a:extLst>
+              <a:ext uri="{FF2B5EF4-FFF2-40B4-BE49-F238E27FC236}">
+                <a16:creationId xmlns:a16="http://schemas.microsoft.com/office/drawing/2014/main" id="{A199CBAC-90D3-4F4D-96CC-E4E229F5A6F0}"/>
+              </a:ext>
+            </a:extLst>
+          </p:cNvPr>
+          <p:cNvSpPr txBox="1"/>
+          <p:nvPr/>
+        </p:nvSpPr>
+        <p:spPr>
+          <a:xfrm>
+            <a:off x="8666125" y="4043077"/>
+            <a:ext cx="774186" cy="307777"/>
+          </a:xfrm>
+          <a:prstGeom prst="rect">
+            <a:avLst/>
+          </a:prstGeom>
+          <a:noFill/>
+        </p:spPr>
+        <p:txBody>
+          <a:bodyPr wrap="none" rtlCol="0">
+            <a:spAutoFit/>
+          </a:bodyPr>
+          <a:lstStyle/>
+          <a:p>
+            <a:r>
+              <a:rPr lang="en-US" sz="1400" dirty="0"/>
+              <a:t>Counter</a:t>
+            </a:r>
+          </a:p>
+        </p:txBody>
+      </p:sp>
+      <p:cxnSp>
+        <p:nvCxnSpPr>
+          <p:cNvPr id="72" name="Straight Arrow Connector 71">
+            <a:extLst>
+              <a:ext uri="{FF2B5EF4-FFF2-40B4-BE49-F238E27FC236}">
+                <a16:creationId xmlns:a16="http://schemas.microsoft.com/office/drawing/2014/main" id="{3AEA7D85-4987-48F7-AA05-99A96CA67C02}"/>
+              </a:ext>
+            </a:extLst>
+          </p:cNvPr>
+          <p:cNvCxnSpPr>
+            <a:cxnSpLocks/>
+          </p:cNvCxnSpPr>
+          <p:nvPr/>
+        </p:nvCxnSpPr>
+        <p:spPr>
+          <a:xfrm flipV="1">
+            <a:off x="8878307" y="3004388"/>
+            <a:ext cx="0" cy="896591"/>
+          </a:xfrm>
+          <a:prstGeom prst="straightConnector1">
+            <a:avLst/>
+          </a:prstGeom>
+          <a:ln>
+            <a:solidFill>
+              <a:schemeClr val="tx1"/>
+            </a:solidFill>
+            <a:tailEnd type="triangle"/>
+          </a:ln>
+        </p:spPr>
+        <p:style>
+          <a:lnRef idx="1">
+            <a:schemeClr val="accent1"/>
+          </a:lnRef>
+          <a:fillRef idx="0">
+            <a:schemeClr val="accent1"/>
+          </a:fillRef>
+          <a:effectRef idx="0">
+            <a:schemeClr val="accent1"/>
+          </a:effectRef>
+          <a:fontRef idx="minor">
+            <a:schemeClr val="tx1"/>
+          </a:fontRef>
+        </p:style>
+      </p:cxnSp>
+      <p:cxnSp>
+        <p:nvCxnSpPr>
+          <p:cNvPr id="74" name="Straight Arrow Connector 73">
+            <a:extLst>
+              <a:ext uri="{FF2B5EF4-FFF2-40B4-BE49-F238E27FC236}">
+                <a16:creationId xmlns:a16="http://schemas.microsoft.com/office/drawing/2014/main" id="{C38EE783-F385-42C0-A228-CBFBFBE1B48E}"/>
+              </a:ext>
+            </a:extLst>
+          </p:cNvPr>
+          <p:cNvCxnSpPr/>
+          <p:nvPr/>
+        </p:nvCxnSpPr>
+        <p:spPr>
+          <a:xfrm>
+            <a:off x="7251700" y="4149599"/>
+            <a:ext cx="1231900" cy="0"/>
+          </a:xfrm>
+          <a:prstGeom prst="straightConnector1">
+            <a:avLst/>
+          </a:prstGeom>
+          <a:ln>
+            <a:solidFill>
+              <a:schemeClr val="tx1"/>
+            </a:solidFill>
+            <a:tailEnd type="triangle"/>
+          </a:ln>
+        </p:spPr>
+        <p:style>
+          <a:lnRef idx="1">
+            <a:schemeClr val="accent1"/>
+          </a:lnRef>
+          <a:fillRef idx="0">
+            <a:schemeClr val="accent1"/>
+          </a:fillRef>
+          <a:effectRef idx="0">
+            <a:schemeClr val="accent1"/>
+          </a:effectRef>
+          <a:fontRef idx="minor">
+            <a:schemeClr val="tx1"/>
+          </a:fontRef>
+        </p:style>
+      </p:cxnSp>
+      <p:sp>
+        <p:nvSpPr>
+          <p:cNvPr id="75" name="TextBox 74">
+            <a:extLst>
+              <a:ext uri="{FF2B5EF4-FFF2-40B4-BE49-F238E27FC236}">
+                <a16:creationId xmlns:a16="http://schemas.microsoft.com/office/drawing/2014/main" id="{3624D667-05CC-4AC4-ADB6-5284F1DE9DCF}"/>
+              </a:ext>
+            </a:extLst>
+          </p:cNvPr>
+          <p:cNvSpPr txBox="1"/>
+          <p:nvPr/>
+        </p:nvSpPr>
+        <p:spPr>
+          <a:xfrm>
+            <a:off x="6612162" y="3981966"/>
+            <a:ext cx="835485" cy="523220"/>
+          </a:xfrm>
+          <a:prstGeom prst="rect">
+            <a:avLst/>
+          </a:prstGeom>
+          <a:noFill/>
+        </p:spPr>
+        <p:txBody>
+          <a:bodyPr wrap="none" rtlCol="0">
+            <a:spAutoFit/>
+          </a:bodyPr>
+          <a:lstStyle/>
+          <a:p>
+            <a:r>
+              <a:rPr lang="en-US" sz="1400" dirty="0" err="1"/>
+              <a:t>Fclock</a:t>
+            </a:r>
+            <a:endParaRPr lang="en-US" sz="1400" dirty="0"/>
+          </a:p>
+          <a:p>
+            <a:r>
+              <a:rPr lang="en-US" sz="1400" dirty="0"/>
+              <a:t>100 MHz</a:t>
+            </a:r>
+          </a:p>
+        </p:txBody>
+      </p:sp>
+      <p:cxnSp>
+        <p:nvCxnSpPr>
+          <p:cNvPr id="76" name="Straight Arrow Connector 75">
+            <a:extLst>
+              <a:ext uri="{FF2B5EF4-FFF2-40B4-BE49-F238E27FC236}">
+                <a16:creationId xmlns:a16="http://schemas.microsoft.com/office/drawing/2014/main" id="{A4B7D3C4-A570-473A-91A1-49C65616D2C1}"/>
+              </a:ext>
+            </a:extLst>
+          </p:cNvPr>
+          <p:cNvCxnSpPr>
+            <a:cxnSpLocks/>
+          </p:cNvCxnSpPr>
+          <p:nvPr/>
+        </p:nvCxnSpPr>
+        <p:spPr>
+          <a:xfrm>
+            <a:off x="8878307" y="3250395"/>
+            <a:ext cx="2011407" cy="0"/>
+          </a:xfrm>
+          <a:prstGeom prst="straightConnector1">
+            <a:avLst/>
+          </a:prstGeom>
+          <a:ln>
+            <a:solidFill>
+              <a:schemeClr val="tx1"/>
+            </a:solidFill>
+            <a:tailEnd type="triangle"/>
+          </a:ln>
+        </p:spPr>
+        <p:style>
+          <a:lnRef idx="1">
+            <a:schemeClr val="accent1"/>
+          </a:lnRef>
+          <a:fillRef idx="0">
+            <a:schemeClr val="accent1"/>
+          </a:fillRef>
+          <a:effectRef idx="0">
+            <a:schemeClr val="accent1"/>
+          </a:effectRef>
+          <a:fontRef idx="minor">
+            <a:schemeClr val="tx1"/>
+          </a:fontRef>
+        </p:style>
+      </p:cxnSp>
+    </p:spTree>
+    <p:extLst>
+      <p:ext uri="{BB962C8B-B14F-4D97-AF65-F5344CB8AC3E}">
+        <p14:creationId xmlns:p14="http://schemas.microsoft.com/office/powerpoint/2010/main" val="1245985737"/>
+      </p:ext>
+    </p:extLst>
+  </p:cSld>
+  <p:clrMapOvr>
+    <a:masterClrMapping/>
+  </p:clrMapOvr>
+</p:sld>
+</file>
+
 <file path=ppt/theme/theme1.xml><?xml version="1.0" encoding="utf-8"?>
 <a:theme xmlns:a="http://schemas.openxmlformats.org/drawingml/2006/main" name="Office Theme">
   <a:themeElements>
